--- a/Assignment3/Præsentation_Aflevering3.pptx
+++ b/Assignment3/Præsentation_Aflevering3.pptx
@@ -8,6 +8,10 @@
     <p:sldId id="256" r:id="rId2"/>
     <p:sldId id="257" r:id="rId3"/>
     <p:sldId id="258" r:id="rId4"/>
+    <p:sldId id="259" r:id="rId5"/>
+    <p:sldId id="261" r:id="rId6"/>
+    <p:sldId id="260" r:id="rId7"/>
+    <p:sldId id="262" r:id="rId8"/>
   </p:sldIdLst>
   <p:sldSz cx="12192000" cy="6858000"/>
   <p:notesSz cx="6858000" cy="9144000"/>
@@ -106,6 +110,11 @@
       </a:defRPr>
     </a:lvl9pPr>
   </p:defaultTextStyle>
+  <p:extLst>
+    <p:ext uri="{EFAFB233-063F-42B5-8137-9DF3F51BA10A}">
+      <p15:sldGuideLst xmlns:p15="http://schemas.microsoft.com/office/powerpoint/2012/main"/>
+    </p:ext>
+  </p:extLst>
 </p:presentation>
 </file>
 
@@ -280,7 +289,7 @@
           <a:p>
             <a:fld id="{9C090341-E9C6-4DF0-AB38-168817EB5174}" type="datetimeFigureOut">
               <a:rPr lang="en-DK" smtClean="0"/>
-              <a:t>22/01/2024</a:t>
+              <a:t>23/01/2024</a:t>
             </a:fld>
             <a:endParaRPr lang="en-DK"/>
           </a:p>
@@ -592,7 +601,7 @@
           <a:p>
             <a:fld id="{9C090341-E9C6-4DF0-AB38-168817EB5174}" type="datetimeFigureOut">
               <a:rPr lang="en-DK" smtClean="0"/>
-              <a:t>22/01/2024</a:t>
+              <a:t>23/01/2024</a:t>
             </a:fld>
             <a:endParaRPr lang="en-DK"/>
           </a:p>
@@ -814,7 +823,7 @@
           <a:p>
             <a:fld id="{9C090341-E9C6-4DF0-AB38-168817EB5174}" type="datetimeFigureOut">
               <a:rPr lang="en-DK" smtClean="0"/>
-              <a:t>22/01/2024</a:t>
+              <a:t>23/01/2024</a:t>
             </a:fld>
             <a:endParaRPr lang="en-DK"/>
           </a:p>
@@ -1105,7 +1114,7 @@
           <a:p>
             <a:fld id="{9C090341-E9C6-4DF0-AB38-168817EB5174}" type="datetimeFigureOut">
               <a:rPr lang="en-DK" smtClean="0"/>
-              <a:t>22/01/2024</a:t>
+              <a:t>23/01/2024</a:t>
             </a:fld>
             <a:endParaRPr lang="en-DK"/>
           </a:p>
@@ -1559,7 +1568,7 @@
           <a:p>
             <a:fld id="{9C090341-E9C6-4DF0-AB38-168817EB5174}" type="datetimeFigureOut">
               <a:rPr lang="en-DK" smtClean="0"/>
-              <a:t>22/01/2024</a:t>
+              <a:t>23/01/2024</a:t>
             </a:fld>
             <a:endParaRPr lang="en-DK"/>
           </a:p>
@@ -2135,7 +2144,7 @@
           <a:p>
             <a:fld id="{9C090341-E9C6-4DF0-AB38-168817EB5174}" type="datetimeFigureOut">
               <a:rPr lang="en-DK" smtClean="0"/>
-              <a:t>22/01/2024</a:t>
+              <a:t>23/01/2024</a:t>
             </a:fld>
             <a:endParaRPr lang="en-DK"/>
           </a:p>
@@ -2987,7 +2996,7 @@
           <a:p>
             <a:fld id="{9C090341-E9C6-4DF0-AB38-168817EB5174}" type="datetimeFigureOut">
               <a:rPr lang="en-DK" smtClean="0"/>
-              <a:t>22/01/2024</a:t>
+              <a:t>23/01/2024</a:t>
             </a:fld>
             <a:endParaRPr lang="en-DK"/>
           </a:p>
@@ -3192,7 +3201,7 @@
           <a:p>
             <a:fld id="{9C090341-E9C6-4DF0-AB38-168817EB5174}" type="datetimeFigureOut">
               <a:rPr lang="en-DK" smtClean="0"/>
-              <a:t>22/01/2024</a:t>
+              <a:t>23/01/2024</a:t>
             </a:fld>
             <a:endParaRPr lang="en-DK"/>
           </a:p>
@@ -3406,7 +3415,7 @@
           <a:p>
             <a:fld id="{9C090341-E9C6-4DF0-AB38-168817EB5174}" type="datetimeFigureOut">
               <a:rPr lang="en-DK" smtClean="0"/>
-              <a:t>22/01/2024</a:t>
+              <a:t>23/01/2024</a:t>
             </a:fld>
             <a:endParaRPr lang="en-DK"/>
           </a:p>
@@ -3611,7 +3620,7 @@
           <a:p>
             <a:fld id="{9C090341-E9C6-4DF0-AB38-168817EB5174}" type="datetimeFigureOut">
               <a:rPr lang="en-DK" smtClean="0"/>
-              <a:t>22/01/2024</a:t>
+              <a:t>23/01/2024</a:t>
             </a:fld>
             <a:endParaRPr lang="en-DK"/>
           </a:p>
@@ -3891,7 +3900,7 @@
           <a:p>
             <a:fld id="{9C090341-E9C6-4DF0-AB38-168817EB5174}" type="datetimeFigureOut">
               <a:rPr lang="en-DK" smtClean="0"/>
-              <a:t>22/01/2024</a:t>
+              <a:t>23/01/2024</a:t>
             </a:fld>
             <a:endParaRPr lang="en-DK"/>
           </a:p>
@@ -4158,7 +4167,7 @@
           <a:p>
             <a:fld id="{9C090341-E9C6-4DF0-AB38-168817EB5174}" type="datetimeFigureOut">
               <a:rPr lang="en-DK" smtClean="0"/>
-              <a:t>22/01/2024</a:t>
+              <a:t>23/01/2024</a:t>
             </a:fld>
             <a:endParaRPr lang="en-DK"/>
           </a:p>
@@ -4573,7 +4582,7 @@
           <a:p>
             <a:fld id="{9C090341-E9C6-4DF0-AB38-168817EB5174}" type="datetimeFigureOut">
               <a:rPr lang="en-DK" smtClean="0"/>
-              <a:t>22/01/2024</a:t>
+              <a:t>23/01/2024</a:t>
             </a:fld>
             <a:endParaRPr lang="en-DK"/>
           </a:p>
@@ -4721,7 +4730,7 @@
           <a:p>
             <a:fld id="{9C090341-E9C6-4DF0-AB38-168817EB5174}" type="datetimeFigureOut">
               <a:rPr lang="en-DK" smtClean="0"/>
-              <a:t>22/01/2024</a:t>
+              <a:t>23/01/2024</a:t>
             </a:fld>
             <a:endParaRPr lang="en-DK"/>
           </a:p>
@@ -4846,7 +4855,7 @@
           <a:p>
             <a:fld id="{9C090341-E9C6-4DF0-AB38-168817EB5174}" type="datetimeFigureOut">
               <a:rPr lang="en-DK" smtClean="0"/>
-              <a:t>22/01/2024</a:t>
+              <a:t>23/01/2024</a:t>
             </a:fld>
             <a:endParaRPr lang="en-DK"/>
           </a:p>
@@ -5125,7 +5134,7 @@
           <a:p>
             <a:fld id="{9C090341-E9C6-4DF0-AB38-168817EB5174}" type="datetimeFigureOut">
               <a:rPr lang="en-DK" smtClean="0"/>
-              <a:t>22/01/2024</a:t>
+              <a:t>23/01/2024</a:t>
             </a:fld>
             <a:endParaRPr lang="en-DK"/>
           </a:p>
@@ -5437,7 +5446,7 @@
           <a:p>
             <a:fld id="{9C090341-E9C6-4DF0-AB38-168817EB5174}" type="datetimeFigureOut">
               <a:rPr lang="en-DK" smtClean="0"/>
-              <a:t>22/01/2024</a:t>
+              <a:t>23/01/2024</a:t>
             </a:fld>
             <a:endParaRPr lang="en-DK"/>
           </a:p>
@@ -5690,7 +5699,7 @@
           <a:p>
             <a:fld id="{9C090341-E9C6-4DF0-AB38-168817EB5174}" type="datetimeFigureOut">
               <a:rPr lang="en-DK" smtClean="0"/>
-              <a:t>22/01/2024</a:t>
+              <a:t>23/01/2024</a:t>
             </a:fld>
             <a:endParaRPr lang="en-DK"/>
           </a:p>
@@ -6396,12 +6405,23 @@
             <p:ph type="title"/>
           </p:nvPr>
         </p:nvSpPr>
-        <p:spPr/>
-        <p:txBody>
-          <a:bodyPr/>
+        <p:spPr>
+          <a:xfrm>
+            <a:off x="913149" y="0"/>
+            <a:ext cx="10364451" cy="1596177"/>
+          </a:xfrm>
+        </p:spPr>
+        <p:txBody>
+          <a:bodyPr>
+            <a:normAutofit/>
+          </a:bodyPr>
           <a:lstStyle/>
           <a:p>
-            <a:endParaRPr lang="en-DK"/>
+            <a:r>
+              <a:rPr lang="en-US" sz="4800" dirty="0"/>
+              <a:t>Transition system</a:t>
+            </a:r>
+            <a:endParaRPr lang="en-DK" sz="4800" dirty="0"/>
           </a:p>
         </p:txBody>
       </p:sp>
@@ -6421,12 +6441,894 @@
             <p:ph sz="quarter" idx="13"/>
           </p:nvPr>
         </p:nvSpPr>
-        <p:spPr/>
-        <p:txBody>
-          <a:bodyPr/>
+        <p:spPr>
+          <a:xfrm>
+            <a:off x="913149" y="1134640"/>
+            <a:ext cx="4228694" cy="5292664"/>
+          </a:xfrm>
+        </p:spPr>
+        <p:txBody>
+          <a:bodyPr>
+            <a:noAutofit/>
+          </a:bodyPr>
           <a:lstStyle/>
           <a:p>
-            <a:endParaRPr lang="en-DK"/>
+            <a:r>
+              <a:rPr lang="en-US" sz="1800" cap="none" dirty="0"/>
+              <a:t>S_0 = (</a:t>
+            </a:r>
+            <a:r>
+              <a:rPr lang="en-US" sz="1800" cap="none" dirty="0" err="1"/>
+              <a:t>Buyer|Seller|Shipper</a:t>
+            </a:r>
+            <a:r>
+              <a:rPr lang="en-US" sz="1800" cap="none" dirty="0"/>
+              <a:t>)\Channels</a:t>
+            </a:r>
+          </a:p>
+          <a:p>
+            <a:pPr lvl="1"/>
+            <a:r>
+              <a:rPr lang="en-US" cap="none" dirty="0"/>
+              <a:t>Channels = (Ask2sell, Quote2buy, Details2buy, Accept2sell, Reject2sell, Order2ship)</a:t>
+            </a:r>
+          </a:p>
+          <a:p>
+            <a:r>
+              <a:rPr lang="en-US" sz="1800" cap="none" dirty="0"/>
+              <a:t>S_1 = (Buyer_1|Seller_1|Shipper)\Channels</a:t>
+            </a:r>
+          </a:p>
+          <a:p>
+            <a:r>
+              <a:rPr lang="en-US" sz="1800" cap="none" dirty="0"/>
+              <a:t>S_2 = (Buyer_2|Seller_2|Shipper)\Channels</a:t>
+            </a:r>
+          </a:p>
+          <a:p>
+            <a:r>
+              <a:rPr lang="en-US" sz="1800" cap="none" dirty="0"/>
+              <a:t>S_3 = (Buyer_3|0|Shipper_1)\Channels</a:t>
+            </a:r>
+          </a:p>
+          <a:p>
+            <a:r>
+              <a:rPr lang="en-US" sz="1800" cap="none" dirty="0"/>
+              <a:t>S_4 = (Buyer_4|Seller_4|Shipper)\Channels</a:t>
+            </a:r>
+          </a:p>
+          <a:p>
+            <a:r>
+              <a:rPr lang="en-US" sz="1800" cap="none" dirty="0"/>
+              <a:t>S_5 = (0|0|0)\Channels</a:t>
+            </a:r>
+          </a:p>
+        </p:txBody>
+      </p:sp>
+      <mc:AlternateContent xmlns:mc="http://schemas.openxmlformats.org/markup-compatibility/2006">
+        <mc:Choice xmlns:a14="http://schemas.microsoft.com/office/drawing/2010/main" Requires="a14">
+          <p:sp>
+            <p:nvSpPr>
+              <p:cNvPr id="4" name="TextBox 3">
+                <a:extLst>
+                  <a:ext uri="{FF2B5EF4-FFF2-40B4-BE49-F238E27FC236}">
+                    <a16:creationId xmlns:a16="http://schemas.microsoft.com/office/drawing/2014/main" id="{13F98DA0-0016-2D50-4C46-8339691E54A5}"/>
+                  </a:ext>
+                </a:extLst>
+              </p:cNvPr>
+              <p:cNvSpPr txBox="1"/>
+              <p:nvPr/>
+            </p:nvSpPr>
+            <p:spPr>
+              <a:xfrm>
+                <a:off x="5261113" y="1140556"/>
+                <a:ext cx="6326668" cy="4545796"/>
+              </a:xfrm>
+              <a:prstGeom prst="rect">
+                <a:avLst/>
+              </a:prstGeom>
+              <a:noFill/>
+            </p:spPr>
+            <p:txBody>
+              <a:bodyPr wrap="none" rtlCol="0">
+                <a:spAutoFit/>
+              </a:bodyPr>
+              <a:lstStyle/>
+              <a:p>
+                <a:pPr lvl="1"/>
+                <a:r>
+                  <a:rPr lang="en-US" sz="1400" dirty="0"/>
+                  <a:t>Buyer_1 </a:t>
+                </a:r>
+                <a:r>
+                  <a:rPr lang="en-US" sz="1400" cap="none" dirty="0"/>
+                  <a:t>= </a:t>
+                </a:r>
+                <a:r>
+                  <a:rPr lang="en-US" sz="1400" b="0" i="0" dirty="0">
+                    <a:effectLst/>
+                  </a:rPr>
+                  <a:t>quote2buy(price).</a:t>
+                </a:r>
+                <a:br>
+                  <a:rPr lang="en-US" sz="1400" dirty="0"/>
+                </a:br>
+                <a:r>
+                  <a:rPr lang="en-US" sz="1400" dirty="0"/>
+                  <a:t>	</a:t>
+                </a:r>
+                <a:r>
+                  <a:rPr lang="en-US" sz="1400" b="0" i="0" dirty="0">
+                    <a:effectLst/>
+                  </a:rPr>
+                  <a:t>(if (price &lt; 20) then</a:t>
+                </a:r>
+                <a:br>
+                  <a:rPr lang="en-US" sz="1400" dirty="0"/>
+                </a:br>
+                <a:r>
+                  <a:rPr lang="en-US" sz="1400" dirty="0"/>
+                  <a:t>		</a:t>
+                </a:r>
+                <a14:m>
+                  <m:oMath xmlns:m="http://schemas.openxmlformats.org/officeDocument/2006/math">
+                    <m:acc>
+                      <m:accPr>
+                        <m:chr m:val="̅"/>
+                        <m:ctrlPr>
+                          <a:rPr lang="en-US" sz="1400" b="0" i="1" dirty="0" smtClean="0">
+                            <a:effectLst/>
+                            <a:latin typeface="Cambria Math" panose="02040503050406030204" pitchFamily="18" charset="0"/>
+                          </a:rPr>
+                        </m:ctrlPr>
+                      </m:accPr>
+                      <m:e>
+                        <m:r>
+                          <a:rPr lang="en-US" sz="1400" i="1" dirty="0">
+                            <a:latin typeface="Cambria Math" panose="02040503050406030204" pitchFamily="18" charset="0"/>
+                          </a:rPr>
+                          <m:t>𝑎𝑐𝑐𝑒𝑝𝑡</m:t>
+                        </m:r>
+                        <m:r>
+                          <a:rPr lang="en-US" sz="1400" i="1" dirty="0">
+                            <a:latin typeface="Cambria Math" panose="02040503050406030204" pitchFamily="18" charset="0"/>
+                          </a:rPr>
+                          <m:t>2</m:t>
+                        </m:r>
+                        <m:r>
+                          <a:rPr lang="en-US" sz="1400" i="1" dirty="0">
+                            <a:latin typeface="Cambria Math" panose="02040503050406030204" pitchFamily="18" charset="0"/>
+                          </a:rPr>
+                          <m:t>𝑠𝑒𝑙𝑙</m:t>
+                        </m:r>
+                      </m:e>
+                    </m:acc>
+                  </m:oMath>
+                </a14:m>
+                <a:r>
+                  <a:rPr lang="en-US" sz="1400" b="0" i="0" dirty="0">
+                    <a:effectLst/>
+                  </a:rPr>
+                  <a:t>(”Ok to buy chips for ” + price).details2buy(invoice).0</a:t>
+                </a:r>
+                <a:br>
+                  <a:rPr lang="en-US" sz="1400" dirty="0"/>
+                </a:br>
+                <a:r>
+                  <a:rPr lang="en-US" sz="1400" dirty="0"/>
+                  <a:t>	</a:t>
+                </a:r>
+                <a:r>
+                  <a:rPr lang="en-US" sz="1400" b="0" i="0" dirty="0">
+                    <a:effectLst/>
+                  </a:rPr>
+                  <a:t>else </a:t>
+                </a:r>
+              </a:p>
+              <a:p>
+                <a:pPr lvl="2"/>
+                <a:r>
+                  <a:rPr lang="en-US" sz="1400" dirty="0"/>
+                  <a:t>	</a:t>
+                </a:r>
+                <a:r>
+                  <a:rPr lang="en-US" sz="1400" b="0" dirty="0">
+                    <a:effectLst/>
+                  </a:rPr>
+                  <a:t> </a:t>
+                </a:r>
+                <a14:m>
+                  <m:oMath xmlns:m="http://schemas.openxmlformats.org/officeDocument/2006/math">
+                    <m:acc>
+                      <m:accPr>
+                        <m:chr m:val="̅"/>
+                        <m:ctrlPr>
+                          <a:rPr lang="en-US" sz="1400" b="0" i="1" dirty="0" smtClean="0">
+                            <a:effectLst/>
+                            <a:latin typeface="Cambria Math" panose="02040503050406030204" pitchFamily="18" charset="0"/>
+                          </a:rPr>
+                        </m:ctrlPr>
+                      </m:accPr>
+                      <m:e>
+                        <m:r>
+                          <a:rPr lang="en-US" sz="1400" b="0" i="1" dirty="0" smtClean="0">
+                            <a:effectLst/>
+                            <a:latin typeface="Cambria Math" panose="02040503050406030204" pitchFamily="18" charset="0"/>
+                          </a:rPr>
+                          <m:t>𝑟𝑒𝑗𝑒𝑐𝑡</m:t>
+                        </m:r>
+                        <m:r>
+                          <a:rPr lang="en-US" sz="1400" i="1" dirty="0">
+                            <a:latin typeface="Cambria Math" panose="02040503050406030204" pitchFamily="18" charset="0"/>
+                          </a:rPr>
+                          <m:t>2</m:t>
+                        </m:r>
+                        <m:r>
+                          <a:rPr lang="en-US" sz="1400" i="1" dirty="0">
+                            <a:latin typeface="Cambria Math" panose="02040503050406030204" pitchFamily="18" charset="0"/>
+                          </a:rPr>
+                          <m:t>𝑠𝑒𝑙𝑙</m:t>
+                        </m:r>
+                      </m:e>
+                    </m:acc>
+                  </m:oMath>
+                </a14:m>
+                <a:r>
+                  <a:rPr lang="en-US" sz="1400" b="0" i="0" dirty="0">
+                    <a:effectLst/>
+                  </a:rPr>
+                  <a:t>(”Not ok to buy chips for ” + price).0)</a:t>
+                </a:r>
+                <a:endParaRPr lang="en-US" sz="1400" dirty="0"/>
+              </a:p>
+              <a:p>
+                <a:pPr lvl="1"/>
+                <a:r>
+                  <a:rPr lang="en-US" sz="1400" b="0" i="0" dirty="0">
+                    <a:effectLst/>
+                  </a:rPr>
+                  <a:t>Buyer 2 = (if (17 &lt; 20) then</a:t>
+                </a:r>
+                <a:br>
+                  <a:rPr lang="en-US" sz="1400" dirty="0"/>
+                </a:br>
+                <a:r>
+                  <a:rPr lang="en-US" sz="1400" dirty="0"/>
+                  <a:t>	</a:t>
+                </a:r>
+                <a:r>
+                  <a:rPr lang="en-US" sz="1400" b="0" dirty="0">
+                    <a:effectLst/>
+                  </a:rPr>
+                  <a:t> </a:t>
+                </a:r>
+                <a14:m>
+                  <m:oMath xmlns:m="http://schemas.openxmlformats.org/officeDocument/2006/math">
+                    <m:acc>
+                      <m:accPr>
+                        <m:chr m:val="̅"/>
+                        <m:ctrlPr>
+                          <a:rPr lang="en-US" sz="1400" b="0" i="1" dirty="0" smtClean="0">
+                            <a:effectLst/>
+                            <a:latin typeface="Cambria Math" panose="02040503050406030204" pitchFamily="18" charset="0"/>
+                          </a:rPr>
+                        </m:ctrlPr>
+                      </m:accPr>
+                      <m:e>
+                        <m:r>
+                          <a:rPr lang="en-US" sz="1400" i="1" dirty="0">
+                            <a:latin typeface="Cambria Math" panose="02040503050406030204" pitchFamily="18" charset="0"/>
+                          </a:rPr>
+                          <m:t>𝑎𝑐𝑐𝑒𝑝𝑡</m:t>
+                        </m:r>
+                        <m:r>
+                          <a:rPr lang="en-US" sz="1400" i="1" dirty="0">
+                            <a:latin typeface="Cambria Math" panose="02040503050406030204" pitchFamily="18" charset="0"/>
+                          </a:rPr>
+                          <m:t>2</m:t>
+                        </m:r>
+                        <m:r>
+                          <a:rPr lang="en-US" sz="1400" i="1" dirty="0">
+                            <a:latin typeface="Cambria Math" panose="02040503050406030204" pitchFamily="18" charset="0"/>
+                          </a:rPr>
+                          <m:t>𝑠𝑒𝑙𝑙</m:t>
+                        </m:r>
+                      </m:e>
+                    </m:acc>
+                  </m:oMath>
+                </a14:m>
+                <a:r>
+                  <a:rPr lang="en-US" sz="1400" b="0" i="0" dirty="0">
+                    <a:effectLst/>
+                  </a:rPr>
+                  <a:t>(”Ok to buy chips for ” + 17).details2buy(invoice).0</a:t>
+                </a:r>
+                <a:br>
+                  <a:rPr lang="en-US" sz="1400" dirty="0"/>
+                </a:br>
+                <a:r>
+                  <a:rPr lang="en-US" sz="1400" b="0" i="0" dirty="0">
+                    <a:effectLst/>
+                  </a:rPr>
+                  <a:t>else </a:t>
+                </a:r>
+              </a:p>
+              <a:p>
+                <a:pPr lvl="1"/>
+                <a:r>
+                  <a:rPr lang="en-US" sz="1400" dirty="0"/>
+                  <a:t>	</a:t>
+                </a:r>
+                <a:r>
+                  <a:rPr lang="en-US" sz="1400" b="0" dirty="0">
+                    <a:effectLst/>
+                  </a:rPr>
+                  <a:t> </a:t>
+                </a:r>
+                <a14:m>
+                  <m:oMath xmlns:m="http://schemas.openxmlformats.org/officeDocument/2006/math">
+                    <m:acc>
+                      <m:accPr>
+                        <m:chr m:val="̅"/>
+                        <m:ctrlPr>
+                          <a:rPr lang="en-US" sz="1400" b="0" i="1" dirty="0" smtClean="0">
+                            <a:effectLst/>
+                            <a:latin typeface="Cambria Math" panose="02040503050406030204" pitchFamily="18" charset="0"/>
+                          </a:rPr>
+                        </m:ctrlPr>
+                      </m:accPr>
+                      <m:e>
+                        <m:r>
+                          <a:rPr lang="en-US" sz="1400" b="0" i="1" dirty="0" smtClean="0">
+                            <a:effectLst/>
+                            <a:latin typeface="Cambria Math" panose="02040503050406030204" pitchFamily="18" charset="0"/>
+                          </a:rPr>
+                          <m:t>𝑟𝑒𝑗𝑒𝑐𝑡</m:t>
+                        </m:r>
+                        <m:r>
+                          <a:rPr lang="en-US" sz="1400" i="1" dirty="0">
+                            <a:latin typeface="Cambria Math" panose="02040503050406030204" pitchFamily="18" charset="0"/>
+                          </a:rPr>
+                          <m:t>2</m:t>
+                        </m:r>
+                        <m:r>
+                          <a:rPr lang="en-US" sz="1400" i="1" dirty="0">
+                            <a:latin typeface="Cambria Math" panose="02040503050406030204" pitchFamily="18" charset="0"/>
+                          </a:rPr>
+                          <m:t>𝑠𝑒𝑙𝑙</m:t>
+                        </m:r>
+                      </m:e>
+                    </m:acc>
+                  </m:oMath>
+                </a14:m>
+                <a:r>
+                  <a:rPr lang="en-US" sz="1400" b="0" i="0" dirty="0">
+                    <a:effectLst/>
+                  </a:rPr>
+                  <a:t>(”Not ok to buy chips for ” + 17).0)</a:t>
+                </a:r>
+                <a:br>
+                  <a:rPr lang="en-US" sz="1400" dirty="0"/>
+                </a:br>
+                <a:r>
+                  <a:rPr lang="en-US" sz="1400" b="0" i="0" dirty="0">
+                    <a:effectLst/>
+                  </a:rPr>
+                  <a:t>Buyer 3 = details2buy(invoice).0</a:t>
+                </a:r>
+              </a:p>
+              <a:p>
+                <a:pPr lvl="1"/>
+                <a:br>
+                  <a:rPr lang="en-US" sz="1400" dirty="0"/>
+                </a:br>
+                <a:r>
+                  <a:rPr lang="en-US" sz="1400" b="0" i="0" dirty="0">
+                    <a:effectLst/>
+                  </a:rPr>
+                  <a:t>Seller 1 = </a:t>
+                </a:r>
+                <a14:m>
+                  <m:oMath xmlns:m="http://schemas.openxmlformats.org/officeDocument/2006/math">
+                    <m:acc>
+                      <m:accPr>
+                        <m:chr m:val="̅"/>
+                        <m:ctrlPr>
+                          <a:rPr lang="en-US" sz="1400" b="0" i="1" dirty="0" smtClean="0">
+                            <a:effectLst/>
+                            <a:latin typeface="Cambria Math" panose="02040503050406030204" pitchFamily="18" charset="0"/>
+                          </a:rPr>
+                        </m:ctrlPr>
+                      </m:accPr>
+                      <m:e>
+                        <m:r>
+                          <a:rPr lang="en-US" sz="1400" b="0" i="1" dirty="0" smtClean="0">
+                            <a:effectLst/>
+                            <a:latin typeface="Cambria Math" panose="02040503050406030204" pitchFamily="18" charset="0"/>
+                          </a:rPr>
+                          <m:t>𝑞𝑢𝑜𝑡𝑒</m:t>
+                        </m:r>
+                        <m:r>
+                          <a:rPr lang="en-US" sz="1400" b="0" i="1" dirty="0" smtClean="0">
+                            <a:effectLst/>
+                            <a:latin typeface="Cambria Math" panose="02040503050406030204" pitchFamily="18" charset="0"/>
+                          </a:rPr>
+                          <m:t>2</m:t>
+                        </m:r>
+                        <m:r>
+                          <a:rPr lang="en-US" sz="1400" b="0" i="1" dirty="0" smtClean="0">
+                            <a:effectLst/>
+                            <a:latin typeface="Cambria Math" panose="02040503050406030204" pitchFamily="18" charset="0"/>
+                          </a:rPr>
+                          <m:t>𝑏𝑢𝑦</m:t>
+                        </m:r>
+                      </m:e>
+                    </m:acc>
+                  </m:oMath>
+                </a14:m>
+                <a:r>
+                  <a:rPr lang="en-US" sz="1400" b="0" i="0" dirty="0">
+                    <a:effectLst/>
+                  </a:rPr>
+                  <a:t>(17).(accept2sell(order).</a:t>
+                </a:r>
+                <a:r>
+                  <a:rPr lang="en-US" sz="1400" dirty="0"/>
+                  <a:t> </a:t>
+                </a:r>
+                <a14:m>
+                  <m:oMath xmlns:m="http://schemas.openxmlformats.org/officeDocument/2006/math">
+                    <m:acc>
+                      <m:accPr>
+                        <m:chr m:val="̅"/>
+                        <m:ctrlPr>
+                          <a:rPr lang="en-US" sz="1400" i="1" dirty="0" smtClean="0">
+                            <a:latin typeface="Cambria Math" panose="02040503050406030204" pitchFamily="18" charset="0"/>
+                          </a:rPr>
+                        </m:ctrlPr>
+                      </m:accPr>
+                      <m:e>
+                        <m:r>
+                          <a:rPr lang="en-US" sz="1400" b="0" i="1" dirty="0" smtClean="0">
+                            <a:latin typeface="Cambria Math" panose="02040503050406030204" pitchFamily="18" charset="0"/>
+                          </a:rPr>
+                          <m:t>𝑜𝑟𝑑𝑒𝑟</m:t>
+                        </m:r>
+                        <m:r>
+                          <a:rPr lang="en-US" sz="1400" b="0" i="1" dirty="0" smtClean="0">
+                            <a:latin typeface="Cambria Math" panose="02040503050406030204" pitchFamily="18" charset="0"/>
+                          </a:rPr>
+                          <m:t>2</m:t>
+                        </m:r>
+                        <m:r>
+                          <a:rPr lang="en-US" sz="1400" b="0" i="1" dirty="0" smtClean="0">
+                            <a:latin typeface="Cambria Math" panose="02040503050406030204" pitchFamily="18" charset="0"/>
+                          </a:rPr>
+                          <m:t>𝑠h𝑖𝑝</m:t>
+                        </m:r>
+                      </m:e>
+                    </m:acc>
+                    <m:r>
+                      <a:rPr lang="en-US" sz="1400" i="1" dirty="0">
+                        <a:latin typeface="Cambria Math" panose="02040503050406030204" pitchFamily="18" charset="0"/>
+                      </a:rPr>
+                      <m:t> </m:t>
+                    </m:r>
+                  </m:oMath>
+                </a14:m>
+                <a:r>
+                  <a:rPr lang="en-US" sz="1400" b="0" i="0" dirty="0">
+                    <a:effectLst/>
+                  </a:rPr>
+                  <a:t>p(order).0+</a:t>
+                </a:r>
+                <a:br>
+                  <a:rPr lang="en-US" sz="1400" dirty="0"/>
+                </a:br>
+                <a:r>
+                  <a:rPr lang="en-US" sz="1400" b="0" i="0" dirty="0">
+                    <a:effectLst/>
+                  </a:rPr>
+                  <a:t>reject2sell(order).0)</a:t>
+                </a:r>
+              </a:p>
+              <a:p>
+                <a:pPr lvl="1"/>
+                <a:r>
+                  <a:rPr lang="en-US" sz="1400" b="0" i="0" dirty="0">
+                    <a:effectLst/>
+                  </a:rPr>
+                  <a:t>Seller 2 = (accept2sell(order).</a:t>
+                </a:r>
+                <a:r>
+                  <a:rPr lang="en-US" sz="1400" dirty="0"/>
+                  <a:t> </a:t>
+                </a:r>
+                <a14:m>
+                  <m:oMath xmlns:m="http://schemas.openxmlformats.org/officeDocument/2006/math">
+                    <m:acc>
+                      <m:accPr>
+                        <m:chr m:val="̅"/>
+                        <m:ctrlPr>
+                          <a:rPr lang="en-US" sz="1400" i="1" dirty="0" smtClean="0">
+                            <a:latin typeface="Cambria Math" panose="02040503050406030204" pitchFamily="18" charset="0"/>
+                          </a:rPr>
+                        </m:ctrlPr>
+                      </m:accPr>
+                      <m:e>
+                        <m:r>
+                          <a:rPr lang="en-US" sz="1400" b="0" i="1" dirty="0" smtClean="0">
+                            <a:latin typeface="Cambria Math" panose="02040503050406030204" pitchFamily="18" charset="0"/>
+                          </a:rPr>
+                          <m:t>𝑜𝑟𝑑𝑒𝑟</m:t>
+                        </m:r>
+                        <m:r>
+                          <a:rPr lang="en-US" sz="1400" b="0" i="1" dirty="0" smtClean="0">
+                            <a:latin typeface="Cambria Math" panose="02040503050406030204" pitchFamily="18" charset="0"/>
+                          </a:rPr>
+                          <m:t>2</m:t>
+                        </m:r>
+                        <m:r>
+                          <a:rPr lang="en-US" sz="1400" b="0" i="1" dirty="0" smtClean="0">
+                            <a:latin typeface="Cambria Math" panose="02040503050406030204" pitchFamily="18" charset="0"/>
+                          </a:rPr>
+                          <m:t>𝑠h𝑖𝑝</m:t>
+                        </m:r>
+                      </m:e>
+                    </m:acc>
+                  </m:oMath>
+                </a14:m>
+                <a:r>
+                  <a:rPr lang="en-US" sz="1400" b="0" i="0" dirty="0">
+                    <a:effectLst/>
+                  </a:rPr>
+                  <a:t>(order).0+</a:t>
+                </a:r>
+                <a:r>
+                  <a:rPr lang="en-US" sz="1400" dirty="0"/>
+                  <a:t> </a:t>
+                </a:r>
+                <a14:m>
+                  <m:oMath xmlns:m="http://schemas.openxmlformats.org/officeDocument/2006/math">
+                    <m:acc>
+                      <m:accPr>
+                        <m:chr m:val="̅"/>
+                        <m:ctrlPr>
+                          <a:rPr lang="en-US" sz="1400" i="1" dirty="0">
+                            <a:latin typeface="Cambria Math" panose="02040503050406030204" pitchFamily="18" charset="0"/>
+                          </a:rPr>
+                        </m:ctrlPr>
+                      </m:accPr>
+                      <m:e>
+                        <m:r>
+                          <a:rPr lang="en-US" sz="1400" b="0" i="1" dirty="0" smtClean="0">
+                            <a:latin typeface="Cambria Math" panose="02040503050406030204" pitchFamily="18" charset="0"/>
+                          </a:rPr>
+                          <m:t>𝑟𝑒𝑗𝑒𝑐𝑡</m:t>
+                        </m:r>
+                        <m:r>
+                          <a:rPr lang="en-US" sz="1400" b="0" i="1" dirty="0" smtClean="0">
+                            <a:latin typeface="Cambria Math" panose="02040503050406030204" pitchFamily="18" charset="0"/>
+                          </a:rPr>
+                          <m:t>2</m:t>
+                        </m:r>
+                        <m:r>
+                          <a:rPr lang="en-US" sz="1400" b="0" i="1" dirty="0" smtClean="0">
+                            <a:latin typeface="Cambria Math" panose="02040503050406030204" pitchFamily="18" charset="0"/>
+                          </a:rPr>
+                          <m:t>𝑠𝑒𝑙𝑙</m:t>
+                        </m:r>
+                      </m:e>
+                    </m:acc>
+                  </m:oMath>
+                </a14:m>
+                <a:r>
+                  <a:rPr lang="en-US" sz="1400" b="0" i="0" dirty="0">
+                    <a:effectLst/>
+                  </a:rPr>
+                  <a:t>(order).0)</a:t>
+                </a:r>
+              </a:p>
+              <a:p>
+                <a:pPr lvl="1"/>
+                <a:r>
+                  <a:rPr lang="en-US" sz="1400" b="0" i="0" dirty="0">
+                    <a:effectLst/>
+                  </a:rPr>
+                  <a:t>Seller 3 = </a:t>
+                </a:r>
+                <a14:m>
+                  <m:oMath xmlns:m="http://schemas.openxmlformats.org/officeDocument/2006/math">
+                    <m:acc>
+                      <m:accPr>
+                        <m:chr m:val="̅"/>
+                        <m:ctrlPr>
+                          <a:rPr lang="en-US" sz="1400" i="1" dirty="0" smtClean="0">
+                            <a:latin typeface="Cambria Math" panose="02040503050406030204" pitchFamily="18" charset="0"/>
+                          </a:rPr>
+                        </m:ctrlPr>
+                      </m:accPr>
+                      <m:e>
+                        <m:r>
+                          <a:rPr lang="en-US" sz="1400" b="0" i="1" dirty="0" smtClean="0">
+                            <a:latin typeface="Cambria Math" panose="02040503050406030204" pitchFamily="18" charset="0"/>
+                          </a:rPr>
+                          <m:t>𝑜𝑟𝑑𝑒𝑟</m:t>
+                        </m:r>
+                        <m:r>
+                          <a:rPr lang="en-US" sz="1400" b="0" i="1" dirty="0" smtClean="0">
+                            <a:latin typeface="Cambria Math" panose="02040503050406030204" pitchFamily="18" charset="0"/>
+                          </a:rPr>
+                          <m:t>2</m:t>
+                        </m:r>
+                        <m:r>
+                          <a:rPr lang="en-US" sz="1400" b="0" i="1" dirty="0" smtClean="0">
+                            <a:latin typeface="Cambria Math" panose="02040503050406030204" pitchFamily="18" charset="0"/>
+                          </a:rPr>
+                          <m:t>𝑠h𝑖𝑝</m:t>
+                        </m:r>
+                      </m:e>
+                    </m:acc>
+                  </m:oMath>
+                </a14:m>
+                <a:r>
+                  <a:rPr lang="en-US" sz="1400" b="0" i="0" dirty="0">
+                    <a:effectLst/>
+                  </a:rPr>
+                  <a:t>(”Ok to buy chips for 17”).0</a:t>
+                </a:r>
+              </a:p>
+              <a:p>
+                <a:pPr lvl="1"/>
+                <a:br>
+                  <a:rPr lang="en-US" sz="1400" dirty="0"/>
+                </a:br>
+                <a:r>
+                  <a:rPr lang="en-US" sz="1400" b="0" i="0" dirty="0">
+                    <a:effectLst/>
+                  </a:rPr>
+                  <a:t>Shipper = </a:t>
+                </a:r>
+                <a14:m>
+                  <m:oMath xmlns:m="http://schemas.openxmlformats.org/officeDocument/2006/math">
+                    <m:acc>
+                      <m:accPr>
+                        <m:chr m:val="̅"/>
+                        <m:ctrlPr>
+                          <a:rPr lang="en-US" sz="1400" i="1" dirty="0" smtClean="0">
+                            <a:latin typeface="Cambria Math" panose="02040503050406030204" pitchFamily="18" charset="0"/>
+                          </a:rPr>
+                        </m:ctrlPr>
+                      </m:accPr>
+                      <m:e>
+                        <m:r>
+                          <a:rPr lang="en-US" sz="1400" b="0" i="1" dirty="0" smtClean="0">
+                            <a:latin typeface="Cambria Math" panose="02040503050406030204" pitchFamily="18" charset="0"/>
+                          </a:rPr>
+                          <m:t>𝑜𝑟𝑑𝑒𝑟</m:t>
+                        </m:r>
+                        <m:r>
+                          <a:rPr lang="en-US" sz="1400" b="0" i="1" dirty="0" smtClean="0">
+                            <a:latin typeface="Cambria Math" panose="02040503050406030204" pitchFamily="18" charset="0"/>
+                          </a:rPr>
+                          <m:t>2</m:t>
+                        </m:r>
+                        <m:r>
+                          <a:rPr lang="en-US" sz="1400" b="0" i="1" dirty="0" smtClean="0">
+                            <a:latin typeface="Cambria Math" panose="02040503050406030204" pitchFamily="18" charset="0"/>
+                          </a:rPr>
+                          <m:t>𝑠h𝑖𝑝</m:t>
+                        </m:r>
+                      </m:e>
+                    </m:acc>
+                  </m:oMath>
+                </a14:m>
+                <a:r>
+                  <a:rPr lang="en-US" sz="1400" b="0" i="0" dirty="0">
+                    <a:effectLst/>
+                  </a:rPr>
+                  <a:t>(product).</a:t>
+                </a:r>
+                <a:r>
+                  <a:rPr lang="en-US" sz="1400" dirty="0"/>
+                  <a:t> </a:t>
+                </a:r>
+                <a14:m>
+                  <m:oMath xmlns:m="http://schemas.openxmlformats.org/officeDocument/2006/math">
+                    <m:acc>
+                      <m:accPr>
+                        <m:chr m:val="̅"/>
+                        <m:ctrlPr>
+                          <a:rPr lang="en-US" sz="1400" i="1" dirty="0">
+                            <a:latin typeface="Cambria Math" panose="02040503050406030204" pitchFamily="18" charset="0"/>
+                          </a:rPr>
+                        </m:ctrlPr>
+                      </m:accPr>
+                      <m:e>
+                        <m:r>
+                          <a:rPr lang="en-US" sz="1400" b="0" i="1" dirty="0" smtClean="0">
+                            <a:latin typeface="Cambria Math" panose="02040503050406030204" pitchFamily="18" charset="0"/>
+                          </a:rPr>
+                          <m:t>𝑑𝑒𝑡𝑎𝑖𝑙𝑠</m:t>
+                        </m:r>
+                        <m:r>
+                          <a:rPr lang="en-US" sz="1400" b="0" i="1" dirty="0" smtClean="0">
+                            <a:latin typeface="Cambria Math" panose="02040503050406030204" pitchFamily="18" charset="0"/>
+                          </a:rPr>
+                          <m:t>2</m:t>
+                        </m:r>
+                        <m:r>
+                          <a:rPr lang="en-US" sz="1400" b="0" i="1" dirty="0" smtClean="0">
+                            <a:latin typeface="Cambria Math" panose="02040503050406030204" pitchFamily="18" charset="0"/>
+                          </a:rPr>
+                          <m:t>𝑏𝑢𝑦</m:t>
+                        </m:r>
+                      </m:e>
+                    </m:acc>
+                  </m:oMath>
+                </a14:m>
+                <a:r>
+                  <a:rPr lang="en-US" sz="1400" b="0" i="0" dirty="0">
+                    <a:effectLst/>
+                  </a:rPr>
+                  <a:t>(”invoice for ” + product).0</a:t>
+                </a:r>
+                <a:br>
+                  <a:rPr lang="en-US" sz="1400" dirty="0"/>
+                </a:br>
+                <a:r>
+                  <a:rPr lang="en-US" sz="1400" b="0" i="0" dirty="0">
+                    <a:effectLst/>
+                  </a:rPr>
+                  <a:t>Shipper 1 = </a:t>
+                </a:r>
+                <a14:m>
+                  <m:oMath xmlns:m="http://schemas.openxmlformats.org/officeDocument/2006/math">
+                    <m:acc>
+                      <m:accPr>
+                        <m:chr m:val="̅"/>
+                        <m:ctrlPr>
+                          <a:rPr lang="en-US" sz="1400" i="1" dirty="0">
+                            <a:latin typeface="Cambria Math" panose="02040503050406030204" pitchFamily="18" charset="0"/>
+                          </a:rPr>
+                        </m:ctrlPr>
+                      </m:accPr>
+                      <m:e>
+                        <m:r>
+                          <a:rPr lang="en-US" sz="1400" i="1" dirty="0">
+                            <a:latin typeface="Cambria Math" panose="02040503050406030204" pitchFamily="18" charset="0"/>
+                          </a:rPr>
+                          <m:t>𝑑𝑒𝑡𝑎𝑖𝑙𝑠</m:t>
+                        </m:r>
+                        <m:r>
+                          <a:rPr lang="en-US" sz="1400" i="1" dirty="0">
+                            <a:latin typeface="Cambria Math" panose="02040503050406030204" pitchFamily="18" charset="0"/>
+                          </a:rPr>
+                          <m:t>2</m:t>
+                        </m:r>
+                        <m:r>
+                          <a:rPr lang="en-US" sz="1400" i="1" dirty="0">
+                            <a:latin typeface="Cambria Math" panose="02040503050406030204" pitchFamily="18" charset="0"/>
+                          </a:rPr>
+                          <m:t>𝑏𝑢𝑦</m:t>
+                        </m:r>
+                      </m:e>
+                    </m:acc>
+                  </m:oMath>
+                </a14:m>
+                <a:r>
+                  <a:rPr lang="en-US" sz="1400" b="0" i="0" dirty="0">
+                    <a:effectLst/>
+                  </a:rPr>
+                  <a:t>(”invoice for Ok to buy chips for 17”).0</a:t>
+                </a:r>
+                <a:endParaRPr lang="en-US" sz="1400" cap="none" dirty="0"/>
+              </a:p>
+              <a:p>
+                <a:endParaRPr lang="en-US" sz="1400" cap="none" dirty="0"/>
+              </a:p>
+              <a:p>
+                <a:endParaRPr lang="en-DK" sz="2000" dirty="0"/>
+              </a:p>
+            </p:txBody>
+          </p:sp>
+        </mc:Choice>
+        <mc:Fallback>
+          <p:sp>
+            <p:nvSpPr>
+              <p:cNvPr id="4" name="TextBox 3">
+                <a:extLst>
+                  <a:ext uri="{FF2B5EF4-FFF2-40B4-BE49-F238E27FC236}">
+                    <a16:creationId xmlns:a16="http://schemas.microsoft.com/office/drawing/2014/main" id="{13F98DA0-0016-2D50-4C46-8339691E54A5}"/>
+                  </a:ext>
+                </a:extLst>
+              </p:cNvPr>
+              <p:cNvSpPr txBox="1">
+                <a:spLocks noRot="1" noChangeAspect="1" noMove="1" noResize="1" noEditPoints="1" noAdjustHandles="1" noChangeArrowheads="1" noChangeShapeType="1" noTextEdit="1"/>
+              </p:cNvSpPr>
+              <p:nvPr/>
+            </p:nvSpPr>
+            <p:spPr>
+              <a:xfrm>
+                <a:off x="5261113" y="1140556"/>
+                <a:ext cx="6326668" cy="4545796"/>
+              </a:xfrm>
+              <a:prstGeom prst="rect">
+                <a:avLst/>
+              </a:prstGeom>
+              <a:blipFill>
+                <a:blip r:embed="rId2"/>
+                <a:stretch>
+                  <a:fillRect t="-134"/>
+                </a:stretch>
+              </a:blipFill>
+            </p:spPr>
+            <p:txBody>
+              <a:bodyPr/>
+              <a:lstStyle/>
+              <a:p>
+                <a:r>
+                  <a:rPr lang="en-DK">
+                    <a:noFill/>
+                  </a:rPr>
+                  <a:t> </a:t>
+                </a:r>
+              </a:p>
+            </p:txBody>
+          </p:sp>
+        </mc:Fallback>
+      </mc:AlternateContent>
+      <p:sp>
+        <p:nvSpPr>
+          <p:cNvPr id="5" name="TextBox 4">
+            <a:extLst>
+              <a:ext uri="{FF2B5EF4-FFF2-40B4-BE49-F238E27FC236}">
+                <a16:creationId xmlns:a16="http://schemas.microsoft.com/office/drawing/2014/main" id="{93A003EC-A890-3CC2-4A79-FFEA8EEE7E61}"/>
+              </a:ext>
+            </a:extLst>
+          </p:cNvPr>
+          <p:cNvSpPr txBox="1"/>
+          <p:nvPr/>
+        </p:nvSpPr>
+        <p:spPr>
+          <a:xfrm>
+            <a:off x="5897218" y="5394278"/>
+            <a:ext cx="4100803" cy="646331"/>
+          </a:xfrm>
+          <a:prstGeom prst="rect">
+            <a:avLst/>
+          </a:prstGeom>
+          <a:noFill/>
+        </p:spPr>
+        <p:txBody>
+          <a:bodyPr wrap="none" rtlCol="0">
+            <a:spAutoFit/>
+          </a:bodyPr>
+          <a:lstStyle/>
+          <a:p>
+            <a:pPr algn="ctr"/>
+            <a:r>
+              <a:rPr lang="en-US" b="1" dirty="0" err="1"/>
+              <a:t>Transitionsystem</a:t>
+            </a:r>
+            <a:r>
+              <a:rPr lang="en-US" b="1" dirty="0"/>
+              <a:t> then becomes:</a:t>
+            </a:r>
+            <a:br>
+              <a:rPr lang="en-US" b="1" dirty="0"/>
+            </a:br>
+            <a:r>
+              <a:rPr lang="en-US" b="1" dirty="0"/>
+              <a:t>S_0 </a:t>
+            </a:r>
+            <a:r>
+              <a:rPr lang="en-US" b="1" dirty="0">
+                <a:sym typeface="Wingdings" panose="05000000000000000000" pitchFamily="2" charset="2"/>
+              </a:rPr>
+              <a:t> S_1  S_2  S_3  S_4  S_5</a:t>
+            </a:r>
+            <a:endParaRPr lang="en-DK" b="1" dirty="0"/>
           </a:p>
         </p:txBody>
       </p:sp>
@@ -6434,6 +7336,2435 @@
     <p:extLst>
       <p:ext uri="{BB962C8B-B14F-4D97-AF65-F5344CB8AC3E}">
         <p14:creationId xmlns:p14="http://schemas.microsoft.com/office/powerpoint/2010/main" val="2891997369"/>
+      </p:ext>
+    </p:extLst>
+  </p:cSld>
+  <p:clrMapOvr>
+    <a:masterClrMapping/>
+  </p:clrMapOvr>
+</p:sld>
+</file>
+
+<file path=ppt/slides/slide4.xml><?xml version="1.0" encoding="utf-8"?>
+<p:sld xmlns:a="http://schemas.openxmlformats.org/drawingml/2006/main" xmlns:r="http://schemas.openxmlformats.org/officeDocument/2006/relationships" xmlns:p="http://schemas.openxmlformats.org/presentationml/2006/main">
+  <p:cSld>
+    <p:spTree>
+      <p:nvGrpSpPr>
+        <p:cNvPr id="1" name=""/>
+        <p:cNvGrpSpPr/>
+        <p:nvPr/>
+      </p:nvGrpSpPr>
+      <p:grpSpPr>
+        <a:xfrm>
+          <a:off x="0" y="0"/>
+          <a:ext cx="0" cy="0"/>
+          <a:chOff x="0" y="0"/>
+          <a:chExt cx="0" cy="0"/>
+        </a:xfrm>
+      </p:grpSpPr>
+      <p:sp>
+        <p:nvSpPr>
+          <p:cNvPr id="2" name="Title 1">
+            <a:extLst>
+              <a:ext uri="{FF2B5EF4-FFF2-40B4-BE49-F238E27FC236}">
+                <a16:creationId xmlns:a16="http://schemas.microsoft.com/office/drawing/2014/main" id="{12EE92EA-486B-4B47-34AA-4C5F6B235A1E}"/>
+              </a:ext>
+            </a:extLst>
+          </p:cNvPr>
+          <p:cNvSpPr>
+            <a:spLocks noGrp="1"/>
+          </p:cNvSpPr>
+          <p:nvPr>
+            <p:ph type="title"/>
+          </p:nvPr>
+        </p:nvSpPr>
+        <p:spPr>
+          <a:xfrm>
+            <a:off x="913774" y="0"/>
+            <a:ext cx="10364451" cy="1596177"/>
+          </a:xfrm>
+        </p:spPr>
+        <p:txBody>
+          <a:bodyPr/>
+          <a:lstStyle/>
+          <a:p>
+            <a:r>
+              <a:rPr lang="en-US" dirty="0"/>
+              <a:t>Relaxed seller</a:t>
+            </a:r>
+            <a:endParaRPr lang="en-DK" dirty="0"/>
+          </a:p>
+        </p:txBody>
+      </p:sp>
+      <mc:AlternateContent xmlns:mc="http://schemas.openxmlformats.org/markup-compatibility/2006">
+        <mc:Choice xmlns:a14="http://schemas.microsoft.com/office/drawing/2010/main" Requires="a14">
+          <p:sp>
+            <p:nvSpPr>
+              <p:cNvPr id="3" name="Content Placeholder 2">
+                <a:extLst>
+                  <a:ext uri="{FF2B5EF4-FFF2-40B4-BE49-F238E27FC236}">
+                    <a16:creationId xmlns:a16="http://schemas.microsoft.com/office/drawing/2014/main" id="{782F4D0E-475A-5C59-90CE-123D15A6FC55}"/>
+                  </a:ext>
+                </a:extLst>
+              </p:cNvPr>
+              <p:cNvSpPr>
+                <a:spLocks noGrp="1"/>
+              </p:cNvSpPr>
+              <p:nvPr>
+                <p:ph sz="quarter" idx="13"/>
+              </p:nvPr>
+            </p:nvSpPr>
+            <p:spPr>
+              <a:xfrm>
+                <a:off x="914399" y="1048500"/>
+                <a:ext cx="4810540" cy="3424107"/>
+              </a:xfrm>
+            </p:spPr>
+            <p:txBody>
+              <a:bodyPr/>
+              <a:lstStyle/>
+              <a:p>
+                <a:r>
+                  <a:rPr lang="en-US" cap="none" dirty="0"/>
+                  <a:t>Two sellers:</a:t>
+                </a:r>
+              </a:p>
+              <a:p>
+                <a:pPr lvl="1"/>
+                <a:r>
+                  <a:rPr lang="en-US" b="0" i="0" cap="none" dirty="0" err="1">
+                    <a:effectLst/>
+                  </a:rPr>
+                  <a:t>Seller_original</a:t>
+                </a:r>
+                <a:r>
+                  <a:rPr lang="en-US" b="0" i="0" cap="none" dirty="0">
+                    <a:effectLst/>
+                  </a:rPr>
+                  <a:t> = </a:t>
+                </a:r>
+              </a:p>
+              <a:p>
+                <a:pPr marL="457200" lvl="1" indent="0">
+                  <a:buNone/>
+                </a:pPr>
+                <a:r>
+                  <a:rPr lang="en-US" b="0" i="0" cap="none" dirty="0">
+                    <a:effectLst/>
+                  </a:rPr>
+                  <a:t>Ask2sell(product).</a:t>
+                </a:r>
+                <a:r>
+                  <a:rPr lang="en-US" sz="1800" dirty="0"/>
+                  <a:t> </a:t>
+                </a:r>
+                <a14:m>
+                  <m:oMath xmlns:m="http://schemas.openxmlformats.org/officeDocument/2006/math">
+                    <m:acc>
+                      <m:accPr>
+                        <m:chr m:val="̅"/>
+                        <m:ctrlPr>
+                          <a:rPr lang="en-US" sz="1800" i="1" dirty="0">
+                            <a:latin typeface="Cambria Math" panose="02040503050406030204" pitchFamily="18" charset="0"/>
+                          </a:rPr>
+                        </m:ctrlPr>
+                      </m:accPr>
+                      <m:e>
+                        <m:r>
+                          <a:rPr lang="en-US" sz="1800" b="0" i="1" dirty="0" smtClean="0">
+                            <a:latin typeface="Cambria Math" panose="02040503050406030204" pitchFamily="18" charset="0"/>
+                          </a:rPr>
+                          <m:t>𝑞𝑢𝑜𝑡𝑒</m:t>
+                        </m:r>
+                        <m:r>
+                          <a:rPr lang="en-US" sz="1800" b="0" i="1" dirty="0" smtClean="0">
+                            <a:latin typeface="Cambria Math" panose="02040503050406030204" pitchFamily="18" charset="0"/>
+                          </a:rPr>
+                          <m:t>2</m:t>
+                        </m:r>
+                        <m:r>
+                          <a:rPr lang="en-US" sz="1800" b="0" i="1" dirty="0" smtClean="0">
+                            <a:latin typeface="Cambria Math" panose="02040503050406030204" pitchFamily="18" charset="0"/>
+                          </a:rPr>
+                          <m:t>𝑏𝑢𝑦</m:t>
+                        </m:r>
+                      </m:e>
+                    </m:acc>
+                  </m:oMath>
+                </a14:m>
+                <a:r>
+                  <a:rPr lang="en-US" b="0" i="0" cap="none" dirty="0">
+                    <a:effectLst/>
+                  </a:rPr>
+                  <a:t>(17).</a:t>
+                </a:r>
+                <a:br>
+                  <a:rPr lang="en-US" cap="none" dirty="0"/>
+                </a:br>
+                <a:r>
+                  <a:rPr lang="en-US" b="0" i="0" cap="none" dirty="0">
+                    <a:effectLst/>
+                  </a:rPr>
+                  <a:t>(Accept2sell(order).</a:t>
+                </a:r>
+                <a:r>
+                  <a:rPr lang="en-US" dirty="0"/>
+                  <a:t> </a:t>
+                </a:r>
+                <a14:m>
+                  <m:oMath xmlns:m="http://schemas.openxmlformats.org/officeDocument/2006/math">
+                    <m:acc>
+                      <m:accPr>
+                        <m:chr m:val="̅"/>
+                        <m:ctrlPr>
+                          <a:rPr lang="en-US" i="1" dirty="0">
+                            <a:latin typeface="Cambria Math" panose="02040503050406030204" pitchFamily="18" charset="0"/>
+                          </a:rPr>
+                        </m:ctrlPr>
+                      </m:accPr>
+                      <m:e>
+                        <m:r>
+                          <a:rPr lang="en-US" b="0" i="1" dirty="0" smtClean="0">
+                            <a:latin typeface="Cambria Math" panose="02040503050406030204" pitchFamily="18" charset="0"/>
+                          </a:rPr>
+                          <m:t>𝑜𝑟𝑑𝑒𝑟</m:t>
+                        </m:r>
+                        <m:r>
+                          <a:rPr lang="en-US" b="0" i="1" dirty="0" smtClean="0">
+                            <a:latin typeface="Cambria Math" panose="02040503050406030204" pitchFamily="18" charset="0"/>
+                          </a:rPr>
+                          <m:t>2</m:t>
+                        </m:r>
+                        <m:r>
+                          <a:rPr lang="en-US" b="0" i="1" dirty="0" smtClean="0">
+                            <a:latin typeface="Cambria Math" panose="02040503050406030204" pitchFamily="18" charset="0"/>
+                          </a:rPr>
+                          <m:t>𝑠h𝑖𝑝</m:t>
+                        </m:r>
+                      </m:e>
+                    </m:acc>
+                  </m:oMath>
+                </a14:m>
+                <a:r>
+                  <a:rPr lang="en-US" b="0" i="0" cap="none" dirty="0">
+                    <a:effectLst/>
+                  </a:rPr>
+                  <a:t>(order).0+</a:t>
+                </a:r>
+                <a:br>
+                  <a:rPr lang="en-US" cap="none" dirty="0"/>
+                </a:br>
+                <a:r>
+                  <a:rPr lang="en-US" b="0" i="0" cap="none" dirty="0">
+                    <a:effectLst/>
+                  </a:rPr>
+                  <a:t>reject2sell(order).0)</a:t>
+                </a:r>
+                <a:endParaRPr lang="en-US" cap="none" dirty="0"/>
+              </a:p>
+              <a:p>
+                <a:pPr lvl="1"/>
+                <a:r>
+                  <a:rPr lang="en-US" b="0" i="0" cap="none" dirty="0" err="1">
+                    <a:effectLst/>
+                  </a:rPr>
+                  <a:t>Seller_relaxed</a:t>
+                </a:r>
+                <a:r>
+                  <a:rPr lang="en-US" b="0" i="0" cap="none" dirty="0">
+                    <a:effectLst/>
+                  </a:rPr>
+                  <a:t> =</a:t>
+                </a:r>
+              </a:p>
+              <a:p>
+                <a:pPr marL="457200" lvl="1" indent="0">
+                  <a:buNone/>
+                </a:pPr>
+                <a:r>
+                  <a:rPr lang="en-US" cap="none" dirty="0"/>
+                  <a:t>a</a:t>
+                </a:r>
+                <a:r>
+                  <a:rPr lang="en-US" b="0" i="0" cap="none" dirty="0">
+                    <a:effectLst/>
+                  </a:rPr>
+                  <a:t>sk2sell(product).</a:t>
+                </a:r>
+                <a:r>
+                  <a:rPr lang="en-US" sz="1800" dirty="0"/>
+                  <a:t> </a:t>
+                </a:r>
+                <a14:m>
+                  <m:oMath xmlns:m="http://schemas.openxmlformats.org/officeDocument/2006/math">
+                    <m:acc>
+                      <m:accPr>
+                        <m:chr m:val="̅"/>
+                        <m:ctrlPr>
+                          <a:rPr lang="en-US" sz="1800" i="1" dirty="0">
+                            <a:latin typeface="Cambria Math" panose="02040503050406030204" pitchFamily="18" charset="0"/>
+                          </a:rPr>
+                        </m:ctrlPr>
+                      </m:accPr>
+                      <m:e>
+                        <m:r>
+                          <a:rPr lang="en-US" sz="1800" b="0" i="1" dirty="0" smtClean="0">
+                            <a:latin typeface="Cambria Math" panose="02040503050406030204" pitchFamily="18" charset="0"/>
+                          </a:rPr>
+                          <m:t>𝑞𝑢𝑜𝑡𝑒</m:t>
+                        </m:r>
+                        <m:r>
+                          <a:rPr lang="en-US" sz="1800" b="0" i="1" dirty="0" smtClean="0">
+                            <a:latin typeface="Cambria Math" panose="02040503050406030204" pitchFamily="18" charset="0"/>
+                          </a:rPr>
+                          <m:t>2</m:t>
+                        </m:r>
+                        <m:r>
+                          <a:rPr lang="en-US" sz="1800" b="0" i="1" dirty="0" smtClean="0">
+                            <a:latin typeface="Cambria Math" panose="02040503050406030204" pitchFamily="18" charset="0"/>
+                          </a:rPr>
+                          <m:t>𝑏𝑢𝑦</m:t>
+                        </m:r>
+                      </m:e>
+                    </m:acc>
+                  </m:oMath>
+                </a14:m>
+                <a:r>
+                  <a:rPr lang="en-US" b="0" i="0" cap="none" dirty="0">
+                    <a:effectLst/>
+                  </a:rPr>
+                  <a:t>(17).0 |</a:t>
+                </a:r>
+                <a:br>
+                  <a:rPr lang="en-US" cap="none" dirty="0"/>
+                </a:br>
+                <a:r>
+                  <a:rPr lang="en-US" b="0" i="0" cap="none" dirty="0">
+                    <a:effectLst/>
+                  </a:rPr>
+                  <a:t>accept2sell(order).</a:t>
+                </a:r>
+                <a:r>
+                  <a:rPr lang="en-US" dirty="0"/>
+                  <a:t> </a:t>
+                </a:r>
+                <a14:m>
+                  <m:oMath xmlns:m="http://schemas.openxmlformats.org/officeDocument/2006/math">
+                    <m:acc>
+                      <m:accPr>
+                        <m:chr m:val="̅"/>
+                        <m:ctrlPr>
+                          <a:rPr lang="en-US" i="1" dirty="0">
+                            <a:latin typeface="Cambria Math" panose="02040503050406030204" pitchFamily="18" charset="0"/>
+                          </a:rPr>
+                        </m:ctrlPr>
+                      </m:accPr>
+                      <m:e>
+                        <m:r>
+                          <a:rPr lang="en-US" b="0" i="1" dirty="0" smtClean="0">
+                            <a:latin typeface="Cambria Math" panose="02040503050406030204" pitchFamily="18" charset="0"/>
+                          </a:rPr>
+                          <m:t>𝑜𝑟𝑑𝑒𝑟</m:t>
+                        </m:r>
+                        <m:r>
+                          <a:rPr lang="en-US" b="0" i="1" dirty="0" smtClean="0">
+                            <a:latin typeface="Cambria Math" panose="02040503050406030204" pitchFamily="18" charset="0"/>
+                          </a:rPr>
+                          <m:t>2</m:t>
+                        </m:r>
+                        <m:r>
+                          <a:rPr lang="en-US" b="0" i="1" dirty="0" smtClean="0">
+                            <a:latin typeface="Cambria Math" panose="02040503050406030204" pitchFamily="18" charset="0"/>
+                          </a:rPr>
+                          <m:t>𝑠h𝑖𝑝</m:t>
+                        </m:r>
+                      </m:e>
+                    </m:acc>
+                  </m:oMath>
+                </a14:m>
+                <a:r>
+                  <a:rPr lang="en-US" b="0" i="0" cap="none" dirty="0">
+                    <a:effectLst/>
+                  </a:rPr>
+                  <a:t>(order).0 |</a:t>
+                </a:r>
+                <a:br>
+                  <a:rPr lang="en-US" cap="none" dirty="0"/>
+                </a:br>
+                <a:r>
+                  <a:rPr lang="en-US" b="0" i="0" cap="none" dirty="0">
+                    <a:effectLst/>
+                  </a:rPr>
+                  <a:t>reject2sell(order).0</a:t>
+                </a:r>
+              </a:p>
+            </p:txBody>
+          </p:sp>
+        </mc:Choice>
+        <mc:Fallback>
+          <p:sp>
+            <p:nvSpPr>
+              <p:cNvPr id="3" name="Content Placeholder 2">
+                <a:extLst>
+                  <a:ext uri="{FF2B5EF4-FFF2-40B4-BE49-F238E27FC236}">
+                    <a16:creationId xmlns:a16="http://schemas.microsoft.com/office/drawing/2014/main" id="{782F4D0E-475A-5C59-90CE-123D15A6FC55}"/>
+                  </a:ext>
+                </a:extLst>
+              </p:cNvPr>
+              <p:cNvSpPr>
+                <a:spLocks noGrp="1" noRot="1" noChangeAspect="1" noMove="1" noResize="1" noEditPoints="1" noAdjustHandles="1" noChangeArrowheads="1" noChangeShapeType="1" noTextEdit="1"/>
+              </p:cNvSpPr>
+              <p:nvPr>
+                <p:ph sz="quarter" idx="13"/>
+              </p:nvPr>
+            </p:nvSpPr>
+            <p:spPr>
+              <a:xfrm>
+                <a:off x="914399" y="1048500"/>
+                <a:ext cx="4810540" cy="3424107"/>
+              </a:xfrm>
+              <a:blipFill>
+                <a:blip r:embed="rId2"/>
+                <a:stretch>
+                  <a:fillRect l="-1141" b="-712"/>
+                </a:stretch>
+              </a:blipFill>
+            </p:spPr>
+            <p:txBody>
+              <a:bodyPr/>
+              <a:lstStyle/>
+              <a:p>
+                <a:r>
+                  <a:rPr lang="en-DK">
+                    <a:noFill/>
+                  </a:rPr>
+                  <a:t> </a:t>
+                </a:r>
+              </a:p>
+            </p:txBody>
+          </p:sp>
+        </mc:Fallback>
+      </mc:AlternateContent>
+      <p:sp>
+        <p:nvSpPr>
+          <p:cNvPr id="4" name="TextBox 3">
+            <a:extLst>
+              <a:ext uri="{FF2B5EF4-FFF2-40B4-BE49-F238E27FC236}">
+                <a16:creationId xmlns:a16="http://schemas.microsoft.com/office/drawing/2014/main" id="{532A3DB1-A4D5-C3F5-0A70-BE66653EC0C6}"/>
+              </a:ext>
+            </a:extLst>
+          </p:cNvPr>
+          <p:cNvSpPr txBox="1"/>
+          <p:nvPr/>
+        </p:nvSpPr>
+        <p:spPr>
+          <a:xfrm>
+            <a:off x="5724939" y="1120676"/>
+            <a:ext cx="5179109" cy="2862322"/>
+          </a:xfrm>
+          <a:prstGeom prst="rect">
+            <a:avLst/>
+          </a:prstGeom>
+          <a:noFill/>
+        </p:spPr>
+        <p:txBody>
+          <a:bodyPr wrap="square" rtlCol="0">
+            <a:spAutoFit/>
+          </a:bodyPr>
+          <a:lstStyle/>
+          <a:p>
+            <a:r>
+              <a:rPr lang="en-US" dirty="0"/>
+              <a:t>Differences:</a:t>
+            </a:r>
+          </a:p>
+          <a:p>
+            <a:pPr marL="285750" indent="-285750">
+              <a:buFont typeface="Arial" panose="020B0604020202020204" pitchFamily="34" charset="0"/>
+              <a:buChar char="•"/>
+            </a:pPr>
+            <a:r>
+              <a:rPr lang="en-US" dirty="0"/>
+              <a:t>Relaxed uses concurrent approach</a:t>
+            </a:r>
+          </a:p>
+          <a:p>
+            <a:pPr marL="285750" indent="-285750">
+              <a:buFont typeface="Arial" panose="020B0604020202020204" pitchFamily="34" charset="0"/>
+              <a:buChar char="•"/>
+            </a:pPr>
+            <a:r>
+              <a:rPr lang="en-US" dirty="0"/>
+              <a:t>Original more sequential</a:t>
+            </a:r>
+          </a:p>
+          <a:p>
+            <a:pPr marL="285750" indent="-285750">
+              <a:buFont typeface="Arial" panose="020B0604020202020204" pitchFamily="34" charset="0"/>
+              <a:buChar char="•"/>
+            </a:pPr>
+            <a:r>
+              <a:rPr lang="en-US" dirty="0"/>
+              <a:t>The difference depends on the buyer. If the buyer’s the same, we can’t see the difference</a:t>
+            </a:r>
+          </a:p>
+          <a:p>
+            <a:pPr marL="742950" lvl="1" indent="-285750">
+              <a:buFont typeface="Arial" panose="020B0604020202020204" pitchFamily="34" charset="0"/>
+              <a:buChar char="•"/>
+            </a:pPr>
+            <a:r>
+              <a:rPr lang="en-US" dirty="0"/>
+              <a:t>Sellers are reacting to buyer’s actions.</a:t>
+            </a:r>
+          </a:p>
+          <a:p>
+            <a:pPr marL="742950" lvl="1" indent="-285750">
+              <a:buFont typeface="Arial" panose="020B0604020202020204" pitchFamily="34" charset="0"/>
+              <a:buChar char="•"/>
+            </a:pPr>
+            <a:r>
+              <a:rPr lang="en-US" dirty="0"/>
+              <a:t>Essential part is the buyer’s response to the price</a:t>
+            </a:r>
+          </a:p>
+          <a:p>
+            <a:pPr marL="1200150" lvl="2" indent="-285750">
+              <a:buFont typeface="Arial" panose="020B0604020202020204" pitchFamily="34" charset="0"/>
+              <a:buChar char="•"/>
+            </a:pPr>
+            <a:r>
+              <a:rPr lang="en-US" dirty="0"/>
+              <a:t>Always the same for the fixed price of 17</a:t>
+            </a:r>
+          </a:p>
+        </p:txBody>
+      </p:sp>
+    </p:spTree>
+    <p:extLst>
+      <p:ext uri="{BB962C8B-B14F-4D97-AF65-F5344CB8AC3E}">
+        <p14:creationId xmlns:p14="http://schemas.microsoft.com/office/powerpoint/2010/main" val="4045173468"/>
+      </p:ext>
+    </p:extLst>
+  </p:cSld>
+  <p:clrMapOvr>
+    <a:masterClrMapping/>
+  </p:clrMapOvr>
+</p:sld>
+</file>
+
+<file path=ppt/slides/slide5.xml><?xml version="1.0" encoding="utf-8"?>
+<p:sld xmlns:a="http://schemas.openxmlformats.org/drawingml/2006/main" xmlns:r="http://schemas.openxmlformats.org/officeDocument/2006/relationships" xmlns:p="http://schemas.openxmlformats.org/presentationml/2006/main">
+  <p:cSld>
+    <p:spTree>
+      <p:nvGrpSpPr>
+        <p:cNvPr id="1" name=""/>
+        <p:cNvGrpSpPr/>
+        <p:nvPr/>
+      </p:nvGrpSpPr>
+      <p:grpSpPr>
+        <a:xfrm>
+          <a:off x="0" y="0"/>
+          <a:ext cx="0" cy="0"/>
+          <a:chOff x="0" y="0"/>
+          <a:chExt cx="0" cy="0"/>
+        </a:xfrm>
+      </p:grpSpPr>
+      <p:sp>
+        <p:nvSpPr>
+          <p:cNvPr id="2" name="Title 1">
+            <a:extLst>
+              <a:ext uri="{FF2B5EF4-FFF2-40B4-BE49-F238E27FC236}">
+                <a16:creationId xmlns:a16="http://schemas.microsoft.com/office/drawing/2014/main" id="{74E700BB-896E-4EA3-C65A-EB3A06287B91}"/>
+              </a:ext>
+            </a:extLst>
+          </p:cNvPr>
+          <p:cNvSpPr>
+            <a:spLocks noGrp="1"/>
+          </p:cNvSpPr>
+          <p:nvPr>
+            <p:ph type="title"/>
+          </p:nvPr>
+        </p:nvSpPr>
+        <p:spPr/>
+        <p:txBody>
+          <a:bodyPr/>
+          <a:lstStyle/>
+          <a:p>
+            <a:r>
+              <a:rPr lang="en-US" dirty="0"/>
+              <a:t>Sequential</a:t>
+            </a:r>
+            <a:endParaRPr lang="en-DK" dirty="0"/>
+          </a:p>
+        </p:txBody>
+      </p:sp>
+      <mc:AlternateContent xmlns:mc="http://schemas.openxmlformats.org/markup-compatibility/2006">
+        <mc:Choice xmlns:a14="http://schemas.microsoft.com/office/drawing/2010/main" Requires="a14">
+          <p:sp>
+            <p:nvSpPr>
+              <p:cNvPr id="3" name="Content Placeholder 2">
+                <a:extLst>
+                  <a:ext uri="{FF2B5EF4-FFF2-40B4-BE49-F238E27FC236}">
+                    <a16:creationId xmlns:a16="http://schemas.microsoft.com/office/drawing/2014/main" id="{705E6624-7C4E-663B-63CF-99AC68513A7C}"/>
+                  </a:ext>
+                </a:extLst>
+              </p:cNvPr>
+              <p:cNvSpPr>
+                <a:spLocks noGrp="1"/>
+              </p:cNvSpPr>
+              <p:nvPr>
+                <p:ph sz="quarter" idx="13"/>
+              </p:nvPr>
+            </p:nvSpPr>
+            <p:spPr>
+              <a:xfrm>
+                <a:off x="618767" y="1671850"/>
+                <a:ext cx="5877965" cy="4351760"/>
+              </a:xfrm>
+            </p:spPr>
+            <p:txBody>
+              <a:bodyPr>
+                <a:normAutofit fontScale="92500" lnSpcReduction="10000"/>
+              </a:bodyPr>
+              <a:lstStyle/>
+              <a:p>
+                <a:r>
+                  <a:rPr lang="en-US" sz="1600" b="0" i="0" dirty="0">
+                    <a:effectLst/>
+                  </a:rPr>
+                  <a:t>Buyer2=</a:t>
+                </a:r>
+              </a:p>
+              <a:p>
+                <a:pPr marL="0" indent="0">
+                  <a:buNone/>
+                </a:pPr>
+                <a14:m>
+                  <m:oMath xmlns:m="http://schemas.openxmlformats.org/officeDocument/2006/math">
+                    <m:acc>
+                      <m:accPr>
+                        <m:chr m:val="̅"/>
+                        <m:ctrlPr>
+                          <a:rPr lang="en-US" sz="1600" i="1" dirty="0" smtClean="0">
+                            <a:latin typeface="Cambria Math" panose="02040503050406030204" pitchFamily="18" charset="0"/>
+                          </a:rPr>
+                        </m:ctrlPr>
+                      </m:accPr>
+                      <m:e>
+                        <m:r>
+                          <a:rPr lang="en-US" sz="1600" b="0" i="1" dirty="0" smtClean="0">
+                            <a:latin typeface="Cambria Math" panose="02040503050406030204" pitchFamily="18" charset="0"/>
+                          </a:rPr>
+                          <m:t>𝑎𝑠𝑘</m:t>
+                        </m:r>
+                        <m:r>
+                          <a:rPr lang="en-US" sz="1600" b="0" i="1" dirty="0" smtClean="0">
+                            <a:latin typeface="Cambria Math" panose="02040503050406030204" pitchFamily="18" charset="0"/>
+                          </a:rPr>
+                          <m:t>2</m:t>
+                        </m:r>
+                        <m:r>
+                          <a:rPr lang="en-US" sz="1600" b="0" i="1" dirty="0" smtClean="0">
+                            <a:latin typeface="Cambria Math" panose="02040503050406030204" pitchFamily="18" charset="0"/>
+                          </a:rPr>
+                          <m:t>𝑠𝑒𝑙𝑙</m:t>
+                        </m:r>
+                      </m:e>
+                    </m:acc>
+                  </m:oMath>
+                </a14:m>
+                <a:r>
+                  <a:rPr lang="en-US" sz="1600" b="0" i="0" dirty="0">
+                    <a:effectLst/>
+                  </a:rPr>
+                  <a:t>(”chips”).quote2buy(price).</a:t>
+                </a:r>
+                <a14:m>
+                  <m:oMath xmlns:m="http://schemas.openxmlformats.org/officeDocument/2006/math">
+                    <m:acc>
+                      <m:accPr>
+                        <m:chr m:val="̅"/>
+                        <m:ctrlPr>
+                          <a:rPr lang="en-US" sz="1600" i="1" dirty="0">
+                            <a:latin typeface="Cambria Math" panose="02040503050406030204" pitchFamily="18" charset="0"/>
+                          </a:rPr>
+                        </m:ctrlPr>
+                      </m:accPr>
+                      <m:e>
+                        <m:r>
+                          <a:rPr lang="en-US" sz="1600" b="0" i="1" dirty="0" smtClean="0">
+                            <a:latin typeface="Cambria Math" panose="02040503050406030204" pitchFamily="18" charset="0"/>
+                          </a:rPr>
+                          <m:t>𝑎𝑠𝑘</m:t>
+                        </m:r>
+                        <m:r>
+                          <a:rPr lang="en-US" sz="1600" b="0" i="1" dirty="0" smtClean="0">
+                            <a:latin typeface="Cambria Math" panose="02040503050406030204" pitchFamily="18" charset="0"/>
+                          </a:rPr>
+                          <m:t>2</m:t>
+                        </m:r>
+                        <m:r>
+                          <a:rPr lang="en-US" sz="1600" b="0" i="1" dirty="0" smtClean="0">
+                            <a:latin typeface="Cambria Math" panose="02040503050406030204" pitchFamily="18" charset="0"/>
+                          </a:rPr>
+                          <m:t>𝑠𝑒𝑙𝑙</m:t>
+                        </m:r>
+                        <m:r>
+                          <a:rPr lang="en-US" sz="1600" b="0" i="1" dirty="0" smtClean="0">
+                            <a:latin typeface="Cambria Math" panose="02040503050406030204" pitchFamily="18" charset="0"/>
+                          </a:rPr>
+                          <m:t>2</m:t>
+                        </m:r>
+                      </m:e>
+                    </m:acc>
+                  </m:oMath>
+                </a14:m>
+                <a:r>
+                  <a:rPr lang="en-US" sz="1600" b="0" i="0" dirty="0">
+                    <a:effectLst/>
+                  </a:rPr>
+                  <a:t>(”chips”).quote2buy2(price2).</a:t>
+                </a:r>
+                <a:br>
+                  <a:rPr lang="en-US" sz="1600" dirty="0"/>
+                </a:br>
+                <a:r>
+                  <a:rPr lang="en-US" sz="1600" b="0" i="0" dirty="0">
+                    <a:effectLst/>
+                  </a:rPr>
+                  <a:t>(if (price &lt; 20 or price2 &lt; 20) then</a:t>
+                </a:r>
+                <a:br>
+                  <a:rPr lang="en-US" sz="1600" dirty="0"/>
+                </a:br>
+                <a:r>
+                  <a:rPr lang="en-US" sz="1600" dirty="0"/>
+                  <a:t>	</a:t>
+                </a:r>
+                <a:r>
+                  <a:rPr lang="en-US" sz="1600" b="0" i="0" dirty="0">
+                    <a:effectLst/>
+                  </a:rPr>
+                  <a:t>(if (price &lt; price2) then</a:t>
+                </a:r>
+                <a:br>
+                  <a:rPr lang="en-US" sz="1600" dirty="0"/>
+                </a:br>
+                <a:r>
+                  <a:rPr lang="en-US" sz="1600" dirty="0"/>
+                  <a:t>		 </a:t>
+                </a:r>
+                <a14:m>
+                  <m:oMath xmlns:m="http://schemas.openxmlformats.org/officeDocument/2006/math">
+                    <m:acc>
+                      <m:accPr>
+                        <m:chr m:val="̅"/>
+                        <m:ctrlPr>
+                          <a:rPr lang="en-US" sz="1600" i="1" dirty="0">
+                            <a:latin typeface="Cambria Math" panose="02040503050406030204" pitchFamily="18" charset="0"/>
+                          </a:rPr>
+                        </m:ctrlPr>
+                      </m:accPr>
+                      <m:e>
+                        <m:r>
+                          <a:rPr lang="en-US" sz="1600" b="0" i="1" dirty="0" smtClean="0">
+                            <a:latin typeface="Cambria Math" panose="02040503050406030204" pitchFamily="18" charset="0"/>
+                          </a:rPr>
+                          <m:t>𝑎𝑐𝑐𝑒𝑝𝑡</m:t>
+                        </m:r>
+                        <m:r>
+                          <a:rPr lang="en-US" sz="1600" b="0" i="1" dirty="0" smtClean="0">
+                            <a:latin typeface="Cambria Math" panose="02040503050406030204" pitchFamily="18" charset="0"/>
+                          </a:rPr>
+                          <m:t>2</m:t>
+                        </m:r>
+                        <m:r>
+                          <a:rPr lang="en-US" sz="1600" b="0" i="1" dirty="0" smtClean="0">
+                            <a:latin typeface="Cambria Math" panose="02040503050406030204" pitchFamily="18" charset="0"/>
+                          </a:rPr>
+                          <m:t>𝑠𝑒𝑙𝑙</m:t>
+                        </m:r>
+                      </m:e>
+                    </m:acc>
+                  </m:oMath>
+                </a14:m>
+                <a:r>
+                  <a:rPr lang="en-US" sz="1600" b="0" i="0" dirty="0">
+                    <a:effectLst/>
+                  </a:rPr>
+                  <a:t>(”Ok to buy chips for ” + price)</a:t>
+                </a:r>
+                <a:br>
+                  <a:rPr lang="en-US" sz="1600" dirty="0"/>
+                </a:br>
+                <a:r>
+                  <a:rPr lang="en-US" sz="1600" dirty="0"/>
+                  <a:t>		 </a:t>
+                </a:r>
+                <a14:m>
+                  <m:oMath xmlns:m="http://schemas.openxmlformats.org/officeDocument/2006/math">
+                    <m:acc>
+                      <m:accPr>
+                        <m:chr m:val="̅"/>
+                        <m:ctrlPr>
+                          <a:rPr lang="en-US" sz="1600" i="1" dirty="0">
+                            <a:latin typeface="Cambria Math" panose="02040503050406030204" pitchFamily="18" charset="0"/>
+                          </a:rPr>
+                        </m:ctrlPr>
+                      </m:accPr>
+                      <m:e>
+                        <m:r>
+                          <a:rPr lang="en-US" sz="1600" b="0" i="1" dirty="0" smtClean="0">
+                            <a:latin typeface="Cambria Math" panose="02040503050406030204" pitchFamily="18" charset="0"/>
+                          </a:rPr>
+                          <m:t>𝑟𝑒𝑗𝑒𝑐𝑡</m:t>
+                        </m:r>
+                        <m:r>
+                          <a:rPr lang="en-US" sz="1600" i="1" dirty="0">
+                            <a:latin typeface="Cambria Math" panose="02040503050406030204" pitchFamily="18" charset="0"/>
+                          </a:rPr>
+                          <m:t>2</m:t>
+                        </m:r>
+                        <m:r>
+                          <a:rPr lang="en-US" sz="1600" i="1" dirty="0">
+                            <a:latin typeface="Cambria Math" panose="02040503050406030204" pitchFamily="18" charset="0"/>
+                          </a:rPr>
+                          <m:t>𝑠𝑒𝑙𝑙</m:t>
+                        </m:r>
+                      </m:e>
+                    </m:acc>
+                  </m:oMath>
+                </a14:m>
+                <a:r>
+                  <a:rPr lang="en-US" sz="1600" b="0" i="0" dirty="0">
+                    <a:effectLst/>
+                  </a:rPr>
+                  <a:t>2(”Not ok to buy chips for ” + 		price).details2buy(invoice).0)</a:t>
+                </a:r>
+                <a:br>
+                  <a:rPr lang="en-US" sz="1600" dirty="0"/>
+                </a:br>
+                <a:r>
+                  <a:rPr lang="en-US" sz="1600" dirty="0"/>
+                  <a:t>	</a:t>
+                </a:r>
+                <a:r>
+                  <a:rPr lang="en-US" sz="1600" b="0" i="0" dirty="0">
+                    <a:effectLst/>
+                  </a:rPr>
+                  <a:t>else</a:t>
+                </a:r>
+                <a:br>
+                  <a:rPr lang="en-US" sz="1600" dirty="0"/>
+                </a:br>
+                <a:r>
+                  <a:rPr lang="en-US" sz="1600" dirty="0"/>
+                  <a:t>		 </a:t>
+                </a:r>
+                <a14:m>
+                  <m:oMath xmlns:m="http://schemas.openxmlformats.org/officeDocument/2006/math">
+                    <m:acc>
+                      <m:accPr>
+                        <m:chr m:val="̅"/>
+                        <m:ctrlPr>
+                          <a:rPr lang="en-US" sz="1600" i="1" dirty="0">
+                            <a:latin typeface="Cambria Math" panose="02040503050406030204" pitchFamily="18" charset="0"/>
+                          </a:rPr>
+                        </m:ctrlPr>
+                      </m:accPr>
+                      <m:e>
+                        <m:r>
+                          <a:rPr lang="en-US" sz="1600" i="1" dirty="0">
+                            <a:latin typeface="Cambria Math" panose="02040503050406030204" pitchFamily="18" charset="0"/>
+                          </a:rPr>
+                          <m:t>𝑎𝑐𝑐𝑒𝑝𝑡</m:t>
+                        </m:r>
+                        <m:r>
+                          <a:rPr lang="en-US" sz="1600" i="1" dirty="0">
+                            <a:latin typeface="Cambria Math" panose="02040503050406030204" pitchFamily="18" charset="0"/>
+                          </a:rPr>
+                          <m:t>2</m:t>
+                        </m:r>
+                        <m:r>
+                          <a:rPr lang="en-US" sz="1600" i="1" dirty="0">
+                            <a:latin typeface="Cambria Math" panose="02040503050406030204" pitchFamily="18" charset="0"/>
+                          </a:rPr>
+                          <m:t>𝑠𝑒𝑙𝑙</m:t>
+                        </m:r>
+                      </m:e>
+                    </m:acc>
+                  </m:oMath>
+                </a14:m>
+                <a:r>
+                  <a:rPr lang="en-US" sz="1600" b="0" i="0" dirty="0">
+                    <a:effectLst/>
+                  </a:rPr>
+                  <a:t>2(”Ok to buy chips for ” + 			price)</a:t>
+                </a:r>
+                <a:br>
+                  <a:rPr lang="en-US" sz="1600" dirty="0"/>
+                </a:br>
+                <a:r>
+                  <a:rPr lang="en-US" sz="1600" dirty="0"/>
+                  <a:t>		 </a:t>
+                </a:r>
+                <a14:m>
+                  <m:oMath xmlns:m="http://schemas.openxmlformats.org/officeDocument/2006/math">
+                    <m:acc>
+                      <m:accPr>
+                        <m:chr m:val="̅"/>
+                        <m:ctrlPr>
+                          <a:rPr lang="en-US" sz="1600" i="1" dirty="0">
+                            <a:latin typeface="Cambria Math" panose="02040503050406030204" pitchFamily="18" charset="0"/>
+                          </a:rPr>
+                        </m:ctrlPr>
+                      </m:accPr>
+                      <m:e>
+                        <m:r>
+                          <a:rPr lang="en-US" sz="1600" b="0" i="1" dirty="0" smtClean="0">
+                            <a:latin typeface="Cambria Math" panose="02040503050406030204" pitchFamily="18" charset="0"/>
+                          </a:rPr>
+                          <m:t>𝑟𝑒𝑗𝑒𝑐𝑡</m:t>
+                        </m:r>
+                        <m:r>
+                          <a:rPr lang="en-US" sz="1600" i="1" dirty="0">
+                            <a:latin typeface="Cambria Math" panose="02040503050406030204" pitchFamily="18" charset="0"/>
+                          </a:rPr>
+                          <m:t>2</m:t>
+                        </m:r>
+                        <m:r>
+                          <a:rPr lang="en-US" sz="1600" i="1" dirty="0">
+                            <a:latin typeface="Cambria Math" panose="02040503050406030204" pitchFamily="18" charset="0"/>
+                          </a:rPr>
+                          <m:t>𝑠𝑒𝑙𝑙</m:t>
+                        </m:r>
+                      </m:e>
+                    </m:acc>
+                  </m:oMath>
+                </a14:m>
+                <a:r>
+                  <a:rPr lang="en-US" sz="1600" b="0" i="0" dirty="0">
+                    <a:effectLst/>
+                  </a:rPr>
+                  <a:t>(”Not ok to buy chips for ” + 			price).details2buy(invoice).0)</a:t>
+                </a:r>
+                <a:br>
+                  <a:rPr lang="en-US" sz="1600" dirty="0"/>
+                </a:br>
+                <a:r>
+                  <a:rPr lang="en-US" sz="1600" b="0" i="0" dirty="0">
+                    <a:effectLst/>
+                  </a:rPr>
+                  <a:t>else</a:t>
+                </a:r>
+                <a:br>
+                  <a:rPr lang="en-US" sz="1600" dirty="0"/>
+                </a:br>
+                <a:r>
+                  <a:rPr lang="en-US" sz="1600" dirty="0"/>
+                  <a:t>	 </a:t>
+                </a:r>
+                <a14:m>
+                  <m:oMath xmlns:m="http://schemas.openxmlformats.org/officeDocument/2006/math">
+                    <m:acc>
+                      <m:accPr>
+                        <m:chr m:val="̅"/>
+                        <m:ctrlPr>
+                          <a:rPr lang="en-US" sz="1600" i="1" dirty="0">
+                            <a:latin typeface="Cambria Math" panose="02040503050406030204" pitchFamily="18" charset="0"/>
+                          </a:rPr>
+                        </m:ctrlPr>
+                      </m:accPr>
+                      <m:e>
+                        <m:r>
+                          <a:rPr lang="en-US" sz="1600" i="1" dirty="0">
+                            <a:latin typeface="Cambria Math" panose="02040503050406030204" pitchFamily="18" charset="0"/>
+                          </a:rPr>
+                          <m:t>𝑟𝑒𝑗𝑒𝑐𝑡</m:t>
+                        </m:r>
+                        <m:r>
+                          <a:rPr lang="en-US" sz="1600" i="1" dirty="0">
+                            <a:latin typeface="Cambria Math" panose="02040503050406030204" pitchFamily="18" charset="0"/>
+                          </a:rPr>
+                          <m:t>2</m:t>
+                        </m:r>
+                        <m:r>
+                          <a:rPr lang="en-US" sz="1600" i="1" dirty="0">
+                            <a:latin typeface="Cambria Math" panose="02040503050406030204" pitchFamily="18" charset="0"/>
+                          </a:rPr>
+                          <m:t>𝑠𝑒𝑙𝑙</m:t>
+                        </m:r>
+                      </m:e>
+                    </m:acc>
+                  </m:oMath>
+                </a14:m>
+                <a:r>
+                  <a:rPr lang="en-US" sz="1600" b="0" i="0" dirty="0">
+                    <a:effectLst/>
+                  </a:rPr>
+                  <a:t>(”Not ok to buy chips for ” + price).</a:t>
+                </a:r>
+                <a:br>
+                  <a:rPr lang="en-US" sz="1600" dirty="0"/>
+                </a:br>
+                <a:r>
+                  <a:rPr lang="en-US" sz="1600" dirty="0"/>
+                  <a:t>	 </a:t>
+                </a:r>
+                <a14:m>
+                  <m:oMath xmlns:m="http://schemas.openxmlformats.org/officeDocument/2006/math">
+                    <m:acc>
+                      <m:accPr>
+                        <m:chr m:val="̅"/>
+                        <m:ctrlPr>
+                          <a:rPr lang="en-US" sz="1600" i="1" dirty="0">
+                            <a:latin typeface="Cambria Math" panose="02040503050406030204" pitchFamily="18" charset="0"/>
+                          </a:rPr>
+                        </m:ctrlPr>
+                      </m:accPr>
+                      <m:e>
+                        <m:r>
+                          <a:rPr lang="en-US" sz="1600" i="1" dirty="0">
+                            <a:latin typeface="Cambria Math" panose="02040503050406030204" pitchFamily="18" charset="0"/>
+                          </a:rPr>
+                          <m:t>𝑟𝑒𝑗𝑒𝑐𝑡</m:t>
+                        </m:r>
+                        <m:r>
+                          <a:rPr lang="en-US" sz="1600" i="1" dirty="0">
+                            <a:latin typeface="Cambria Math" panose="02040503050406030204" pitchFamily="18" charset="0"/>
+                          </a:rPr>
+                          <m:t>2</m:t>
+                        </m:r>
+                        <m:r>
+                          <a:rPr lang="en-US" sz="1600" i="1" dirty="0">
+                            <a:latin typeface="Cambria Math" panose="02040503050406030204" pitchFamily="18" charset="0"/>
+                          </a:rPr>
+                          <m:t>𝑠𝑒𝑙𝑙</m:t>
+                        </m:r>
+                        <m:r>
+                          <a:rPr lang="en-US" sz="1600" b="0" i="1" dirty="0" smtClean="0">
+                            <a:latin typeface="Cambria Math" panose="02040503050406030204" pitchFamily="18" charset="0"/>
+                          </a:rPr>
+                          <m:t>2</m:t>
+                        </m:r>
+                      </m:e>
+                    </m:acc>
+                  </m:oMath>
+                </a14:m>
+                <a:r>
+                  <a:rPr lang="en-US" sz="1600" b="0" i="0" dirty="0">
+                    <a:effectLst/>
+                  </a:rPr>
+                  <a:t>(”Not ok to buy chips for ” + price).0)</a:t>
+                </a:r>
+                <a:endParaRPr lang="en-US" sz="1600" dirty="0"/>
+              </a:p>
+            </p:txBody>
+          </p:sp>
+        </mc:Choice>
+        <mc:Fallback>
+          <p:sp>
+            <p:nvSpPr>
+              <p:cNvPr id="3" name="Content Placeholder 2">
+                <a:extLst>
+                  <a:ext uri="{FF2B5EF4-FFF2-40B4-BE49-F238E27FC236}">
+                    <a16:creationId xmlns:a16="http://schemas.microsoft.com/office/drawing/2014/main" id="{705E6624-7C4E-663B-63CF-99AC68513A7C}"/>
+                  </a:ext>
+                </a:extLst>
+              </p:cNvPr>
+              <p:cNvSpPr>
+                <a:spLocks noGrp="1" noRot="1" noChangeAspect="1" noMove="1" noResize="1" noEditPoints="1" noAdjustHandles="1" noChangeArrowheads="1" noChangeShapeType="1" noTextEdit="1"/>
+              </p:cNvSpPr>
+              <p:nvPr>
+                <p:ph sz="quarter" idx="13"/>
+              </p:nvPr>
+            </p:nvSpPr>
+            <p:spPr>
+              <a:xfrm>
+                <a:off x="618767" y="1671850"/>
+                <a:ext cx="5877965" cy="4351760"/>
+              </a:xfrm>
+              <a:blipFill>
+                <a:blip r:embed="rId2"/>
+                <a:stretch>
+                  <a:fillRect l="-415" r="-415"/>
+                </a:stretch>
+              </a:blipFill>
+            </p:spPr>
+            <p:txBody>
+              <a:bodyPr/>
+              <a:lstStyle/>
+              <a:p>
+                <a:r>
+                  <a:rPr lang="en-DK">
+                    <a:noFill/>
+                  </a:rPr>
+                  <a:t> </a:t>
+                </a:r>
+              </a:p>
+            </p:txBody>
+          </p:sp>
+        </mc:Fallback>
+      </mc:AlternateContent>
+      <mc:AlternateContent xmlns:mc="http://schemas.openxmlformats.org/markup-compatibility/2006">
+        <mc:Choice xmlns:a14="http://schemas.microsoft.com/office/drawing/2010/main" Requires="a14">
+          <p:sp>
+            <p:nvSpPr>
+              <p:cNvPr id="5" name="Content Placeholder 2">
+                <a:extLst>
+                  <a:ext uri="{FF2B5EF4-FFF2-40B4-BE49-F238E27FC236}">
+                    <a16:creationId xmlns:a16="http://schemas.microsoft.com/office/drawing/2014/main" id="{4D63E3DE-19A6-BE19-8318-7BCEA0A44D5E}"/>
+                  </a:ext>
+                </a:extLst>
+              </p:cNvPr>
+              <p:cNvSpPr txBox="1">
+                <a:spLocks/>
+              </p:cNvSpPr>
+              <p:nvPr/>
+            </p:nvSpPr>
+            <p:spPr>
+              <a:xfrm>
+                <a:off x="6871252" y="1754180"/>
+                <a:ext cx="5112202" cy="4351760"/>
+              </a:xfrm>
+              <a:prstGeom prst="rect">
+                <a:avLst/>
+              </a:prstGeom>
+            </p:spPr>
+            <p:txBody>
+              <a:bodyPr vert="horz" lIns="91440" tIns="45720" rIns="91440" bIns="45720" rtlCol="0">
+                <a:normAutofit/>
+              </a:bodyPr>
+              <a:lstStyle>
+                <a:lvl1pPr marL="228600" indent="-228600" algn="l" defTabSz="914400" rtl="0" eaLnBrk="1" latinLnBrk="0" hangingPunct="1">
+                  <a:lnSpc>
+                    <a:spcPct val="120000"/>
+                  </a:lnSpc>
+                  <a:spcBef>
+                    <a:spcPts val="1000"/>
+                  </a:spcBef>
+                  <a:buClr>
+                    <a:schemeClr val="tx1"/>
+                  </a:buClr>
+                  <a:buFont typeface="Arial" panose="020B0604020202020204" pitchFamily="34" charset="0"/>
+                  <a:buChar char="•"/>
+                  <a:defRPr sz="2000" kern="1200" cap="all" baseline="0">
+                    <a:solidFill>
+                      <a:schemeClr val="tx1"/>
+                    </a:solidFill>
+                    <a:effectLst/>
+                    <a:latin typeface="+mn-lt"/>
+                    <a:ea typeface="+mn-ea"/>
+                    <a:cs typeface="+mn-cs"/>
+                  </a:defRPr>
+                </a:lvl1pPr>
+                <a:lvl2pPr marL="685800" indent="-228600" algn="l" defTabSz="914400" rtl="0" eaLnBrk="1" latinLnBrk="0" hangingPunct="1">
+                  <a:lnSpc>
+                    <a:spcPct val="120000"/>
+                  </a:lnSpc>
+                  <a:spcBef>
+                    <a:spcPts val="500"/>
+                  </a:spcBef>
+                  <a:buClr>
+                    <a:schemeClr val="tx1"/>
+                  </a:buClr>
+                  <a:buFont typeface="Arial" panose="020B0604020202020204" pitchFamily="34" charset="0"/>
+                  <a:buChar char="•"/>
+                  <a:defRPr sz="1800" kern="1200" cap="all" baseline="0">
+                    <a:solidFill>
+                      <a:schemeClr val="tx1"/>
+                    </a:solidFill>
+                    <a:effectLst/>
+                    <a:latin typeface="+mn-lt"/>
+                    <a:ea typeface="+mn-ea"/>
+                    <a:cs typeface="+mn-cs"/>
+                  </a:defRPr>
+                </a:lvl2pPr>
+                <a:lvl3pPr marL="1143000" indent="-228600" algn="l" defTabSz="914400" rtl="0" eaLnBrk="1" latinLnBrk="0" hangingPunct="1">
+                  <a:lnSpc>
+                    <a:spcPct val="120000"/>
+                  </a:lnSpc>
+                  <a:spcBef>
+                    <a:spcPts val="500"/>
+                  </a:spcBef>
+                  <a:buClr>
+                    <a:schemeClr val="tx1"/>
+                  </a:buClr>
+                  <a:buFont typeface="Arial" panose="020B0604020202020204" pitchFamily="34" charset="0"/>
+                  <a:buChar char="•"/>
+                  <a:defRPr sz="1600" kern="1200" cap="all" baseline="0">
+                    <a:solidFill>
+                      <a:schemeClr val="tx1"/>
+                    </a:solidFill>
+                    <a:effectLst/>
+                    <a:latin typeface="+mn-lt"/>
+                    <a:ea typeface="+mn-ea"/>
+                    <a:cs typeface="+mn-cs"/>
+                  </a:defRPr>
+                </a:lvl3pPr>
+                <a:lvl4pPr marL="1600200" indent="-228600" algn="l" defTabSz="914400" rtl="0" eaLnBrk="1" latinLnBrk="0" hangingPunct="1">
+                  <a:lnSpc>
+                    <a:spcPct val="120000"/>
+                  </a:lnSpc>
+                  <a:spcBef>
+                    <a:spcPts val="500"/>
+                  </a:spcBef>
+                  <a:buClr>
+                    <a:schemeClr val="tx1"/>
+                  </a:buClr>
+                  <a:buFont typeface="Arial" panose="020B0604020202020204" pitchFamily="34" charset="0"/>
+                  <a:buChar char="•"/>
+                  <a:defRPr sz="1400" kern="1200" cap="all" baseline="0">
+                    <a:solidFill>
+                      <a:schemeClr val="tx1"/>
+                    </a:solidFill>
+                    <a:effectLst/>
+                    <a:latin typeface="+mn-lt"/>
+                    <a:ea typeface="+mn-ea"/>
+                    <a:cs typeface="+mn-cs"/>
+                  </a:defRPr>
+                </a:lvl4pPr>
+                <a:lvl5pPr marL="2057400" indent="-228600" algn="l" defTabSz="914400" rtl="0" eaLnBrk="1" latinLnBrk="0" hangingPunct="1">
+                  <a:lnSpc>
+                    <a:spcPct val="120000"/>
+                  </a:lnSpc>
+                  <a:spcBef>
+                    <a:spcPts val="500"/>
+                  </a:spcBef>
+                  <a:buClr>
+                    <a:schemeClr val="tx1"/>
+                  </a:buClr>
+                  <a:buFont typeface="Arial" panose="020B0604020202020204" pitchFamily="34" charset="0"/>
+                  <a:buChar char="•"/>
+                  <a:defRPr sz="1400" kern="1200" cap="all" baseline="0">
+                    <a:solidFill>
+                      <a:schemeClr val="tx1"/>
+                    </a:solidFill>
+                    <a:effectLst/>
+                    <a:latin typeface="+mn-lt"/>
+                    <a:ea typeface="+mn-ea"/>
+                    <a:cs typeface="+mn-cs"/>
+                  </a:defRPr>
+                </a:lvl5pPr>
+                <a:lvl6pPr marL="2514600" indent="-228600" algn="l" defTabSz="914400" rtl="0" eaLnBrk="1" latinLnBrk="0" hangingPunct="1">
+                  <a:lnSpc>
+                    <a:spcPct val="120000"/>
+                  </a:lnSpc>
+                  <a:spcBef>
+                    <a:spcPts val="500"/>
+                  </a:spcBef>
+                  <a:buClr>
+                    <a:schemeClr val="tx1"/>
+                  </a:buClr>
+                  <a:buFont typeface="Arial" panose="020B0604020202020204" pitchFamily="34" charset="0"/>
+                  <a:buChar char="•"/>
+                  <a:defRPr sz="1400" kern="1200" cap="all" baseline="0">
+                    <a:solidFill>
+                      <a:schemeClr val="tx1"/>
+                    </a:solidFill>
+                    <a:effectLst/>
+                    <a:latin typeface="+mn-lt"/>
+                    <a:ea typeface="+mn-ea"/>
+                    <a:cs typeface="+mn-cs"/>
+                  </a:defRPr>
+                </a:lvl6pPr>
+                <a:lvl7pPr marL="2971800" indent="-228600" algn="l" defTabSz="914400" rtl="0" eaLnBrk="1" latinLnBrk="0" hangingPunct="1">
+                  <a:lnSpc>
+                    <a:spcPct val="120000"/>
+                  </a:lnSpc>
+                  <a:spcBef>
+                    <a:spcPts val="500"/>
+                  </a:spcBef>
+                  <a:buClr>
+                    <a:schemeClr val="tx1"/>
+                  </a:buClr>
+                  <a:buFont typeface="Arial" panose="020B0604020202020204" pitchFamily="34" charset="0"/>
+                  <a:buChar char="•"/>
+                  <a:defRPr sz="1400" kern="1200" cap="all" baseline="0">
+                    <a:solidFill>
+                      <a:schemeClr val="tx1"/>
+                    </a:solidFill>
+                    <a:effectLst/>
+                    <a:latin typeface="+mn-lt"/>
+                    <a:ea typeface="+mn-ea"/>
+                    <a:cs typeface="+mn-cs"/>
+                  </a:defRPr>
+                </a:lvl7pPr>
+                <a:lvl8pPr marL="3429000" indent="-228600" algn="l" defTabSz="914400" rtl="0" eaLnBrk="1" latinLnBrk="0" hangingPunct="1">
+                  <a:lnSpc>
+                    <a:spcPct val="120000"/>
+                  </a:lnSpc>
+                  <a:spcBef>
+                    <a:spcPts val="500"/>
+                  </a:spcBef>
+                  <a:buClr>
+                    <a:schemeClr val="tx1"/>
+                  </a:buClr>
+                  <a:buFont typeface="Arial" panose="020B0604020202020204" pitchFamily="34" charset="0"/>
+                  <a:buChar char="•"/>
+                  <a:defRPr sz="1400" kern="1200" cap="all" baseline="0">
+                    <a:solidFill>
+                      <a:schemeClr val="tx1"/>
+                    </a:solidFill>
+                    <a:effectLst/>
+                    <a:latin typeface="+mn-lt"/>
+                    <a:ea typeface="+mn-ea"/>
+                    <a:cs typeface="+mn-cs"/>
+                  </a:defRPr>
+                </a:lvl8pPr>
+                <a:lvl9pPr marL="3886200" indent="-228600" algn="l" defTabSz="914400" rtl="0" eaLnBrk="1" latinLnBrk="0" hangingPunct="1">
+                  <a:lnSpc>
+                    <a:spcPct val="120000"/>
+                  </a:lnSpc>
+                  <a:spcBef>
+                    <a:spcPts val="500"/>
+                  </a:spcBef>
+                  <a:buClr>
+                    <a:schemeClr val="tx1"/>
+                  </a:buClr>
+                  <a:buFont typeface="Arial" panose="020B0604020202020204" pitchFamily="34" charset="0"/>
+                  <a:buChar char="•"/>
+                  <a:defRPr sz="1400" kern="1200" cap="all" baseline="0">
+                    <a:solidFill>
+                      <a:schemeClr val="tx1"/>
+                    </a:solidFill>
+                    <a:effectLst/>
+                    <a:latin typeface="+mn-lt"/>
+                    <a:ea typeface="+mn-ea"/>
+                    <a:cs typeface="+mn-cs"/>
+                  </a:defRPr>
+                </a:lvl9pPr>
+              </a:lstStyle>
+              <a:p>
+                <a:pPr marL="171450" indent="-171450">
+                  <a:buFont typeface="Arial" panose="020B0604020202020204" pitchFamily="34" charset="0"/>
+                  <a:buChar char="•"/>
+                </a:pPr>
+                <a:r>
+                  <a:rPr lang="en-US" sz="1600" dirty="0"/>
+                  <a:t>Seller = </a:t>
+                </a:r>
+              </a:p>
+              <a:p>
+                <a:pPr marL="0" indent="0">
+                  <a:buNone/>
+                </a:pPr>
+                <a:r>
+                  <a:rPr lang="en-US" sz="1600" b="0" i="0" dirty="0">
+                    <a:effectLst/>
+                  </a:rPr>
+                  <a:t>ask2sell(product).</a:t>
+                </a:r>
+                <a:r>
+                  <a:rPr lang="en-US" sz="1600" dirty="0"/>
+                  <a:t> </a:t>
+                </a:r>
+                <a14:m>
+                  <m:oMath xmlns:m="http://schemas.openxmlformats.org/officeDocument/2006/math">
+                    <m:acc>
+                      <m:accPr>
+                        <m:chr m:val="̅"/>
+                        <m:ctrlPr>
+                          <a:rPr lang="en-US" sz="1600" i="1" dirty="0">
+                            <a:latin typeface="Cambria Math" panose="02040503050406030204" pitchFamily="18" charset="0"/>
+                          </a:rPr>
+                        </m:ctrlPr>
+                      </m:accPr>
+                      <m:e>
+                        <m:r>
+                          <a:rPr lang="en-US" sz="1600" b="0" i="1" dirty="0" smtClean="0">
+                            <a:latin typeface="Cambria Math" panose="02040503050406030204" pitchFamily="18" charset="0"/>
+                          </a:rPr>
+                          <m:t>𝑞𝑢𝑜𝑡𝑒</m:t>
+                        </m:r>
+                        <m:r>
+                          <a:rPr lang="en-US" sz="1600" b="0" i="1" dirty="0" smtClean="0">
+                            <a:latin typeface="Cambria Math" panose="02040503050406030204" pitchFamily="18" charset="0"/>
+                          </a:rPr>
+                          <m:t>2</m:t>
+                        </m:r>
+                        <m:r>
+                          <a:rPr lang="en-US" sz="1600" b="0" i="1" dirty="0" smtClean="0">
+                            <a:latin typeface="Cambria Math" panose="02040503050406030204" pitchFamily="18" charset="0"/>
+                          </a:rPr>
+                          <m:t>𝑏𝑢𝑦</m:t>
+                        </m:r>
+                      </m:e>
+                    </m:acc>
+                  </m:oMath>
+                </a14:m>
+                <a:r>
+                  <a:rPr lang="en-US" sz="1600" b="0" i="0" dirty="0">
+                    <a:effectLst/>
+                  </a:rPr>
+                  <a:t>(17).</a:t>
+                </a:r>
+                <a:br>
+                  <a:rPr lang="en-US" sz="1600" dirty="0"/>
+                </a:br>
+                <a:r>
+                  <a:rPr lang="en-US" sz="1600" b="0" i="0" dirty="0">
+                    <a:effectLst/>
+                  </a:rPr>
+                  <a:t>(accept2sell(order).</a:t>
+                </a:r>
+                <a:r>
+                  <a:rPr lang="en-US" sz="1600" dirty="0"/>
+                  <a:t> </a:t>
+                </a:r>
+                <a14:m>
+                  <m:oMath xmlns:m="http://schemas.openxmlformats.org/officeDocument/2006/math">
+                    <m:acc>
+                      <m:accPr>
+                        <m:chr m:val="̅"/>
+                        <m:ctrlPr>
+                          <a:rPr lang="en-US" sz="1600" i="1" dirty="0">
+                            <a:latin typeface="Cambria Math" panose="02040503050406030204" pitchFamily="18" charset="0"/>
+                          </a:rPr>
+                        </m:ctrlPr>
+                      </m:accPr>
+                      <m:e>
+                        <m:r>
+                          <a:rPr lang="en-US" sz="1600" b="0" i="1" dirty="0" smtClean="0">
+                            <a:latin typeface="Cambria Math" panose="02040503050406030204" pitchFamily="18" charset="0"/>
+                          </a:rPr>
+                          <m:t>𝑜𝑟𝑑𝑒𝑟</m:t>
+                        </m:r>
+                        <m:r>
+                          <a:rPr lang="en-US" sz="1600" b="0" i="1" dirty="0" smtClean="0">
+                            <a:latin typeface="Cambria Math" panose="02040503050406030204" pitchFamily="18" charset="0"/>
+                          </a:rPr>
+                          <m:t>2</m:t>
+                        </m:r>
+                        <m:r>
+                          <a:rPr lang="en-US" sz="1600" b="0" i="1" dirty="0" smtClean="0">
+                            <a:latin typeface="Cambria Math" panose="02040503050406030204" pitchFamily="18" charset="0"/>
+                          </a:rPr>
+                          <m:t>𝑠h𝑖𝑝</m:t>
+                        </m:r>
+                      </m:e>
+                    </m:acc>
+                  </m:oMath>
+                </a14:m>
+                <a:r>
+                  <a:rPr lang="en-US" sz="1600" b="0" i="0" dirty="0">
+                    <a:effectLst/>
+                  </a:rPr>
+                  <a:t>(order).0+</a:t>
+                </a:r>
+                <a:br>
+                  <a:rPr lang="en-US" sz="1600" dirty="0"/>
+                </a:br>
+                <a:r>
+                  <a:rPr lang="en-US" sz="1600" b="0" i="0" dirty="0">
+                    <a:effectLst/>
+                  </a:rPr>
+                  <a:t>reject2sell(order).0)</a:t>
+                </a:r>
+                <a:br>
+                  <a:rPr lang="en-US" sz="1600" dirty="0"/>
+                </a:br>
+                <a:endParaRPr lang="en-US" sz="1600" dirty="0"/>
+              </a:p>
+              <a:p>
+                <a:pPr marL="171450" indent="-171450">
+                  <a:buFont typeface="Arial" panose="020B0604020202020204" pitchFamily="34" charset="0"/>
+                  <a:buChar char="•"/>
+                </a:pPr>
+                <a:r>
+                  <a:rPr lang="en-US" sz="1600" b="0" i="0" dirty="0">
+                    <a:effectLst/>
+                  </a:rPr>
+                  <a:t>Seller2 = </a:t>
+                </a:r>
+              </a:p>
+              <a:p>
+                <a:pPr marL="0" indent="0">
+                  <a:buNone/>
+                </a:pPr>
+                <a:r>
+                  <a:rPr lang="en-US" sz="1600" b="0" i="0" dirty="0">
+                    <a:effectLst/>
+                  </a:rPr>
+                  <a:t>ask2sell2(product).</a:t>
+                </a:r>
+                <a:r>
+                  <a:rPr lang="en-US" sz="1600" dirty="0"/>
+                  <a:t> </a:t>
+                </a:r>
+                <a14:m>
+                  <m:oMath xmlns:m="http://schemas.openxmlformats.org/officeDocument/2006/math">
+                    <m:acc>
+                      <m:accPr>
+                        <m:chr m:val="̅"/>
+                        <m:ctrlPr>
+                          <a:rPr lang="en-US" sz="1600" i="1" dirty="0">
+                            <a:latin typeface="Cambria Math" panose="02040503050406030204" pitchFamily="18" charset="0"/>
+                          </a:rPr>
+                        </m:ctrlPr>
+                      </m:accPr>
+                      <m:e>
+                        <m:r>
+                          <a:rPr lang="en-US" sz="1600" b="0" i="1" dirty="0" smtClean="0">
+                            <a:latin typeface="Cambria Math" panose="02040503050406030204" pitchFamily="18" charset="0"/>
+                          </a:rPr>
+                          <m:t>𝑞𝑢𝑜𝑡𝑒</m:t>
+                        </m:r>
+                        <m:r>
+                          <a:rPr lang="en-US" sz="1600" b="0" i="1" dirty="0" smtClean="0">
+                            <a:latin typeface="Cambria Math" panose="02040503050406030204" pitchFamily="18" charset="0"/>
+                          </a:rPr>
+                          <m:t>2</m:t>
+                        </m:r>
+                        <m:r>
+                          <a:rPr lang="en-US" sz="1600" b="0" i="1" dirty="0" smtClean="0">
+                            <a:latin typeface="Cambria Math" panose="02040503050406030204" pitchFamily="18" charset="0"/>
+                          </a:rPr>
+                          <m:t>𝑏𝑢𝑦</m:t>
+                        </m:r>
+                      </m:e>
+                    </m:acc>
+                    <m:r>
+                      <a:rPr lang="en-US" sz="1600" b="0" i="1" dirty="0" smtClean="0">
+                        <a:latin typeface="Cambria Math" panose="02040503050406030204" pitchFamily="18" charset="0"/>
+                      </a:rPr>
+                      <m:t>2</m:t>
+                    </m:r>
+                  </m:oMath>
+                </a14:m>
+                <a:r>
+                  <a:rPr lang="en-US" sz="1600" b="0" i="0" dirty="0">
+                    <a:effectLst/>
+                  </a:rPr>
+                  <a:t>(21).</a:t>
+                </a:r>
+                <a:br>
+                  <a:rPr lang="en-US" sz="1600" dirty="0"/>
+                </a:br>
+                <a:r>
+                  <a:rPr lang="en-US" sz="1600" b="0" i="0" dirty="0">
+                    <a:effectLst/>
+                  </a:rPr>
+                  <a:t>(accept2sell2(order).</a:t>
+                </a:r>
+                <a:r>
+                  <a:rPr lang="en-US" sz="1600" dirty="0"/>
+                  <a:t> </a:t>
+                </a:r>
+                <a14:m>
+                  <m:oMath xmlns:m="http://schemas.openxmlformats.org/officeDocument/2006/math">
+                    <m:acc>
+                      <m:accPr>
+                        <m:chr m:val="̅"/>
+                        <m:ctrlPr>
+                          <a:rPr lang="en-US" sz="1600" i="1" dirty="0">
+                            <a:latin typeface="Cambria Math" panose="02040503050406030204" pitchFamily="18" charset="0"/>
+                          </a:rPr>
+                        </m:ctrlPr>
+                      </m:accPr>
+                      <m:e>
+                        <m:r>
+                          <a:rPr lang="en-US" sz="1600" i="1" dirty="0">
+                            <a:latin typeface="Cambria Math" panose="02040503050406030204" pitchFamily="18" charset="0"/>
+                          </a:rPr>
+                          <m:t>𝑜𝑟𝑑𝑒𝑟</m:t>
+                        </m:r>
+                        <m:r>
+                          <a:rPr lang="en-US" sz="1600" i="1" dirty="0">
+                            <a:latin typeface="Cambria Math" panose="02040503050406030204" pitchFamily="18" charset="0"/>
+                          </a:rPr>
+                          <m:t>2</m:t>
+                        </m:r>
+                        <m:r>
+                          <a:rPr lang="en-US" sz="1600" i="1" dirty="0">
+                            <a:latin typeface="Cambria Math" panose="02040503050406030204" pitchFamily="18" charset="0"/>
+                          </a:rPr>
+                          <m:t>𝑠h𝑖𝑝</m:t>
+                        </m:r>
+                      </m:e>
+                    </m:acc>
+                  </m:oMath>
+                </a14:m>
+                <a:r>
+                  <a:rPr lang="en-US" sz="1600" b="0" i="0" dirty="0">
+                    <a:effectLst/>
+                  </a:rPr>
+                  <a:t>(order).0+</a:t>
+                </a:r>
+                <a:br>
+                  <a:rPr lang="en-US" sz="1600" dirty="0"/>
+                </a:br>
+                <a:r>
+                  <a:rPr lang="en-US" sz="1600" b="0" i="0" dirty="0">
+                    <a:effectLst/>
+                  </a:rPr>
+                  <a:t>reject2sell(order).0)</a:t>
+                </a:r>
+                <a:endParaRPr lang="en-DK" sz="1600" dirty="0"/>
+              </a:p>
+              <a:p>
+                <a:endParaRPr lang="en-DK" sz="1600" dirty="0"/>
+              </a:p>
+            </p:txBody>
+          </p:sp>
+        </mc:Choice>
+        <mc:Fallback>
+          <p:sp>
+            <p:nvSpPr>
+              <p:cNvPr id="5" name="Content Placeholder 2">
+                <a:extLst>
+                  <a:ext uri="{FF2B5EF4-FFF2-40B4-BE49-F238E27FC236}">
+                    <a16:creationId xmlns:a16="http://schemas.microsoft.com/office/drawing/2014/main" id="{4D63E3DE-19A6-BE19-8318-7BCEA0A44D5E}"/>
+                  </a:ext>
+                </a:extLst>
+              </p:cNvPr>
+              <p:cNvSpPr txBox="1">
+                <a:spLocks noRot="1" noChangeAspect="1" noMove="1" noResize="1" noEditPoints="1" noAdjustHandles="1" noChangeArrowheads="1" noChangeShapeType="1" noTextEdit="1"/>
+              </p:cNvSpPr>
+              <p:nvPr/>
+            </p:nvSpPr>
+            <p:spPr>
+              <a:xfrm>
+                <a:off x="6871252" y="1754180"/>
+                <a:ext cx="5112202" cy="4351760"/>
+              </a:xfrm>
+              <a:prstGeom prst="rect">
+                <a:avLst/>
+              </a:prstGeom>
+              <a:blipFill>
+                <a:blip r:embed="rId3"/>
+                <a:stretch>
+                  <a:fillRect l="-596"/>
+                </a:stretch>
+              </a:blipFill>
+            </p:spPr>
+            <p:txBody>
+              <a:bodyPr/>
+              <a:lstStyle/>
+              <a:p>
+                <a:r>
+                  <a:rPr lang="en-DK">
+                    <a:noFill/>
+                  </a:rPr>
+                  <a:t> </a:t>
+                </a:r>
+              </a:p>
+            </p:txBody>
+          </p:sp>
+        </mc:Fallback>
+      </mc:AlternateContent>
+    </p:spTree>
+    <p:extLst>
+      <p:ext uri="{BB962C8B-B14F-4D97-AF65-F5344CB8AC3E}">
+        <p14:creationId xmlns:p14="http://schemas.microsoft.com/office/powerpoint/2010/main" val="3696188651"/>
+      </p:ext>
+    </p:extLst>
+  </p:cSld>
+  <p:clrMapOvr>
+    <a:masterClrMapping/>
+  </p:clrMapOvr>
+</p:sld>
+</file>
+
+<file path=ppt/slides/slide6.xml><?xml version="1.0" encoding="utf-8"?>
+<p:sld xmlns:a="http://schemas.openxmlformats.org/drawingml/2006/main" xmlns:r="http://schemas.openxmlformats.org/officeDocument/2006/relationships" xmlns:p="http://schemas.openxmlformats.org/presentationml/2006/main">
+  <p:cSld>
+    <p:spTree>
+      <p:nvGrpSpPr>
+        <p:cNvPr id="1" name=""/>
+        <p:cNvGrpSpPr/>
+        <p:nvPr/>
+      </p:nvGrpSpPr>
+      <p:grpSpPr>
+        <a:xfrm>
+          <a:off x="0" y="0"/>
+          <a:ext cx="0" cy="0"/>
+          <a:chOff x="0" y="0"/>
+          <a:chExt cx="0" cy="0"/>
+        </a:xfrm>
+      </p:grpSpPr>
+      <p:sp>
+        <p:nvSpPr>
+          <p:cNvPr id="2" name="Title 1">
+            <a:extLst>
+              <a:ext uri="{FF2B5EF4-FFF2-40B4-BE49-F238E27FC236}">
+                <a16:creationId xmlns:a16="http://schemas.microsoft.com/office/drawing/2014/main" id="{8DB58299-C4CA-4291-E6E9-484B4924B05F}"/>
+              </a:ext>
+            </a:extLst>
+          </p:cNvPr>
+          <p:cNvSpPr>
+            <a:spLocks noGrp="1"/>
+          </p:cNvSpPr>
+          <p:nvPr>
+            <p:ph type="title"/>
+          </p:nvPr>
+        </p:nvSpPr>
+        <p:spPr>
+          <a:xfrm>
+            <a:off x="913774" y="0"/>
+            <a:ext cx="10364451" cy="1596177"/>
+          </a:xfrm>
+        </p:spPr>
+        <p:txBody>
+          <a:bodyPr/>
+          <a:lstStyle/>
+          <a:p>
+            <a:r>
+              <a:rPr lang="en-US" dirty="0"/>
+              <a:t>Parallel</a:t>
+            </a:r>
+            <a:endParaRPr lang="en-DK" dirty="0"/>
+          </a:p>
+        </p:txBody>
+      </p:sp>
+      <mc:AlternateContent xmlns:mc="http://schemas.openxmlformats.org/markup-compatibility/2006">
+        <mc:Choice xmlns:a14="http://schemas.microsoft.com/office/drawing/2010/main" Requires="a14">
+          <p:sp>
+            <p:nvSpPr>
+              <p:cNvPr id="3" name="Content Placeholder 2">
+                <a:extLst>
+                  <a:ext uri="{FF2B5EF4-FFF2-40B4-BE49-F238E27FC236}">
+                    <a16:creationId xmlns:a16="http://schemas.microsoft.com/office/drawing/2014/main" id="{F6AC0818-DE13-9817-9401-35D7AB53960C}"/>
+                  </a:ext>
+                </a:extLst>
+              </p:cNvPr>
+              <p:cNvSpPr>
+                <a:spLocks noGrp="1"/>
+              </p:cNvSpPr>
+              <p:nvPr>
+                <p:ph sz="quarter" idx="13"/>
+              </p:nvPr>
+            </p:nvSpPr>
+            <p:spPr>
+              <a:xfrm>
+                <a:off x="913774" y="1183545"/>
+                <a:ext cx="6703934" cy="5292881"/>
+              </a:xfrm>
+            </p:spPr>
+            <p:txBody>
+              <a:bodyPr>
+                <a:normAutofit/>
+              </a:bodyPr>
+              <a:lstStyle/>
+              <a:p>
+                <a:r>
+                  <a:rPr lang="en-US" sz="1800" cap="none" dirty="0"/>
+                  <a:t>Buyer2=</a:t>
+                </a:r>
+                <a:br>
+                  <a:rPr lang="en-US" sz="1800" b="0" i="0" cap="none" dirty="0">
+                    <a:effectLst/>
+                  </a:rPr>
+                </a:br>
+                <a14:m>
+                  <m:oMath xmlns:m="http://schemas.openxmlformats.org/officeDocument/2006/math">
+                    <m:acc>
+                      <m:accPr>
+                        <m:chr m:val="̅"/>
+                        <m:ctrlPr>
+                          <a:rPr lang="en-US" sz="1800" i="1" dirty="0" smtClean="0">
+                            <a:latin typeface="Cambria Math" panose="02040503050406030204" pitchFamily="18" charset="0"/>
+                          </a:rPr>
+                        </m:ctrlPr>
+                      </m:accPr>
+                      <m:e>
+                        <m:r>
+                          <a:rPr lang="en-US" sz="1800" b="0" i="1" dirty="0" smtClean="0">
+                            <a:latin typeface="Cambria Math" panose="02040503050406030204" pitchFamily="18" charset="0"/>
+                          </a:rPr>
+                          <m:t>𝑎𝑠𝑘</m:t>
+                        </m:r>
+                        <m:r>
+                          <a:rPr lang="en-US" sz="1800" b="0" i="1" dirty="0" smtClean="0">
+                            <a:latin typeface="Cambria Math" panose="02040503050406030204" pitchFamily="18" charset="0"/>
+                          </a:rPr>
+                          <m:t>2</m:t>
+                        </m:r>
+                        <m:r>
+                          <a:rPr lang="en-US" sz="1800" b="0" i="1" dirty="0" smtClean="0">
+                            <a:latin typeface="Cambria Math" panose="02040503050406030204" pitchFamily="18" charset="0"/>
+                          </a:rPr>
+                          <m:t>𝑠𝑒𝑙𝑙</m:t>
+                        </m:r>
+                      </m:e>
+                    </m:acc>
+                  </m:oMath>
+                </a14:m>
+                <a:r>
+                  <a:rPr lang="en-US" sz="1800" b="0" i="0" cap="none" dirty="0">
+                    <a:effectLst/>
+                  </a:rPr>
+                  <a:t>(”chips”).quote2buy(price).</a:t>
+                </a:r>
+                <a:r>
+                  <a:rPr lang="en-US" sz="1800" dirty="0"/>
+                  <a:t> </a:t>
+                </a:r>
+                <a14:m>
+                  <m:oMath xmlns:m="http://schemas.openxmlformats.org/officeDocument/2006/math">
+                    <m:acc>
+                      <m:accPr>
+                        <m:chr m:val="̅"/>
+                        <m:ctrlPr>
+                          <a:rPr lang="en-US" sz="1800" i="1" dirty="0">
+                            <a:latin typeface="Cambria Math" panose="02040503050406030204" pitchFamily="18" charset="0"/>
+                          </a:rPr>
+                        </m:ctrlPr>
+                      </m:accPr>
+                      <m:e>
+                        <m:r>
+                          <a:rPr lang="en-US" sz="1800" b="0" i="1" dirty="0" smtClean="0">
+                            <a:latin typeface="Cambria Math" panose="02040503050406030204" pitchFamily="18" charset="0"/>
+                          </a:rPr>
+                          <m:t>𝐽</m:t>
+                        </m:r>
+                        <m:r>
+                          <a:rPr lang="en-US" sz="1800" b="0" i="1" dirty="0" smtClean="0">
+                            <a:latin typeface="Cambria Math" panose="02040503050406030204" pitchFamily="18" charset="0"/>
+                          </a:rPr>
+                          <m:t>1</m:t>
+                        </m:r>
+                      </m:e>
+                    </m:acc>
+                  </m:oMath>
+                </a14:m>
+                <a:r>
+                  <a:rPr lang="en-US" sz="1800" b="0" i="0" cap="none" dirty="0">
+                    <a:effectLst/>
+                  </a:rPr>
+                  <a:t>.price.0</a:t>
+                </a:r>
+                <a:br>
+                  <a:rPr lang="en-US" sz="1800" cap="none" dirty="0"/>
+                </a:br>
+                <a:r>
+                  <a:rPr lang="en-US" sz="1800" b="0" i="0" cap="none" dirty="0">
+                    <a:effectLst/>
+                  </a:rPr>
+                  <a:t>| </a:t>
+                </a:r>
+                <a14:m>
+                  <m:oMath xmlns:m="http://schemas.openxmlformats.org/officeDocument/2006/math">
+                    <m:acc>
+                      <m:accPr>
+                        <m:chr m:val="̅"/>
+                        <m:ctrlPr>
+                          <a:rPr lang="en-US" sz="1800" i="1" dirty="0">
+                            <a:latin typeface="Cambria Math" panose="02040503050406030204" pitchFamily="18" charset="0"/>
+                          </a:rPr>
+                        </m:ctrlPr>
+                      </m:accPr>
+                      <m:e>
+                        <m:r>
+                          <a:rPr lang="en-US" sz="1800" i="1" dirty="0">
+                            <a:latin typeface="Cambria Math" panose="02040503050406030204" pitchFamily="18" charset="0"/>
+                          </a:rPr>
+                          <m:t>𝑎𝑠𝑘</m:t>
+                        </m:r>
+                        <m:r>
+                          <a:rPr lang="en-US" sz="1800" i="1" dirty="0">
+                            <a:latin typeface="Cambria Math" panose="02040503050406030204" pitchFamily="18" charset="0"/>
+                          </a:rPr>
+                          <m:t>2</m:t>
+                        </m:r>
+                        <m:r>
+                          <a:rPr lang="en-US" sz="1800" i="1" dirty="0">
+                            <a:latin typeface="Cambria Math" panose="02040503050406030204" pitchFamily="18" charset="0"/>
+                          </a:rPr>
+                          <m:t>𝑠𝑒𝑙𝑙</m:t>
+                        </m:r>
+                        <m:r>
+                          <a:rPr lang="en-US" sz="1800" b="0" i="1" dirty="0" smtClean="0">
+                            <a:latin typeface="Cambria Math" panose="02040503050406030204" pitchFamily="18" charset="0"/>
+                          </a:rPr>
+                          <m:t>2</m:t>
+                        </m:r>
+                      </m:e>
+                    </m:acc>
+                  </m:oMath>
+                </a14:m>
+                <a:r>
+                  <a:rPr lang="en-US" sz="1800" b="0" i="0" cap="none" dirty="0">
+                    <a:effectLst/>
+                  </a:rPr>
+                  <a:t>(”chips”).quote2buy2(price2).</a:t>
+                </a:r>
+                <a:r>
+                  <a:rPr lang="en-US" sz="1800" dirty="0"/>
+                  <a:t> </a:t>
+                </a:r>
+                <a14:m>
+                  <m:oMath xmlns:m="http://schemas.openxmlformats.org/officeDocument/2006/math">
+                    <m:acc>
+                      <m:accPr>
+                        <m:chr m:val="̅"/>
+                        <m:ctrlPr>
+                          <a:rPr lang="en-US" sz="1800" i="1" dirty="0">
+                            <a:latin typeface="Cambria Math" panose="02040503050406030204" pitchFamily="18" charset="0"/>
+                          </a:rPr>
+                        </m:ctrlPr>
+                      </m:accPr>
+                      <m:e>
+                        <m:r>
+                          <a:rPr lang="en-US" sz="1800" b="0" i="1" dirty="0" smtClean="0">
+                            <a:latin typeface="Cambria Math" panose="02040503050406030204" pitchFamily="18" charset="0"/>
+                          </a:rPr>
+                          <m:t>𝐽</m:t>
+                        </m:r>
+                        <m:r>
+                          <a:rPr lang="en-US" sz="1800" b="0" i="1" dirty="0" smtClean="0">
+                            <a:latin typeface="Cambria Math" panose="02040503050406030204" pitchFamily="18" charset="0"/>
+                          </a:rPr>
+                          <m:t>2</m:t>
+                        </m:r>
+                      </m:e>
+                    </m:acc>
+                  </m:oMath>
+                </a14:m>
+                <a:r>
+                  <a:rPr lang="en-US" sz="1800" b="0" i="0" cap="none" dirty="0">
+                    <a:effectLst/>
+                  </a:rPr>
+                  <a:t>.price2.0</a:t>
+                </a:r>
+                <a:br>
+                  <a:rPr lang="en-US" sz="1800" cap="none" dirty="0"/>
+                </a:br>
+                <a:r>
+                  <a:rPr lang="en-US" sz="1800" b="0" i="0" cap="none" dirty="0">
+                    <a:effectLst/>
+                  </a:rPr>
+                  <a:t>| J1.J2.If (price &lt; 20 or price2 &lt; 20) then</a:t>
+                </a:r>
+                <a:br>
+                  <a:rPr lang="en-US" sz="1800" cap="none" dirty="0"/>
+                </a:br>
+                <a:r>
+                  <a:rPr lang="en-US" sz="1800" b="0" i="0" cap="none" dirty="0">
+                    <a:effectLst/>
+                  </a:rPr>
+                  <a:t>(if (price &lt; price2) then</a:t>
+                </a:r>
+                <a:br>
+                  <a:rPr lang="en-US" sz="1800" cap="none" dirty="0"/>
+                </a:br>
+                <a14:m>
+                  <m:oMath xmlns:m="http://schemas.openxmlformats.org/officeDocument/2006/math">
+                    <m:acc>
+                      <m:accPr>
+                        <m:chr m:val="̅"/>
+                        <m:ctrlPr>
+                          <a:rPr lang="en-US" sz="1800" i="1" dirty="0">
+                            <a:latin typeface="Cambria Math" panose="02040503050406030204" pitchFamily="18" charset="0"/>
+                          </a:rPr>
+                        </m:ctrlPr>
+                      </m:accPr>
+                      <m:e>
+                        <m:r>
+                          <a:rPr lang="en-US" sz="1800" i="1" dirty="0">
+                            <a:latin typeface="Cambria Math" panose="02040503050406030204" pitchFamily="18" charset="0"/>
+                          </a:rPr>
+                          <m:t>𝑎</m:t>
+                        </m:r>
+                        <m:r>
+                          <a:rPr lang="en-US" sz="1800" b="0" i="1" dirty="0" smtClean="0">
+                            <a:latin typeface="Cambria Math" panose="02040503050406030204" pitchFamily="18" charset="0"/>
+                          </a:rPr>
+                          <m:t>𝑐𝑐𝑒𝑝𝑡</m:t>
+                        </m:r>
+                        <m:r>
+                          <a:rPr lang="en-US" sz="1800" i="1" dirty="0">
+                            <a:latin typeface="Cambria Math" panose="02040503050406030204" pitchFamily="18" charset="0"/>
+                          </a:rPr>
+                          <m:t>2</m:t>
+                        </m:r>
+                        <m:r>
+                          <a:rPr lang="en-US" sz="1800" i="1" dirty="0">
+                            <a:latin typeface="Cambria Math" panose="02040503050406030204" pitchFamily="18" charset="0"/>
+                          </a:rPr>
+                          <m:t>𝑠𝑒𝑙𝑙</m:t>
+                        </m:r>
+                      </m:e>
+                    </m:acc>
+                  </m:oMath>
+                </a14:m>
+                <a:r>
+                  <a:rPr lang="en-US" sz="1800" b="0" i="0" cap="none" dirty="0">
+                    <a:effectLst/>
+                  </a:rPr>
+                  <a:t>(”ok to buy chips for ” + price)</a:t>
+                </a:r>
+                <a:br>
+                  <a:rPr lang="en-US" sz="1800" cap="none" dirty="0"/>
+                </a:br>
+                <a14:m>
+                  <m:oMath xmlns:m="http://schemas.openxmlformats.org/officeDocument/2006/math">
+                    <m:acc>
+                      <m:accPr>
+                        <m:chr m:val="̅"/>
+                        <m:ctrlPr>
+                          <a:rPr lang="en-US" sz="1800" i="1" dirty="0">
+                            <a:latin typeface="Cambria Math" panose="02040503050406030204" pitchFamily="18" charset="0"/>
+                          </a:rPr>
+                        </m:ctrlPr>
+                      </m:accPr>
+                      <m:e>
+                        <m:r>
+                          <a:rPr lang="en-US" sz="1800" b="0" i="1" dirty="0" smtClean="0">
+                            <a:latin typeface="Cambria Math" panose="02040503050406030204" pitchFamily="18" charset="0"/>
+                          </a:rPr>
+                          <m:t>𝑟𝑒𝑗𝑒𝑐𝑡</m:t>
+                        </m:r>
+                        <m:r>
+                          <a:rPr lang="en-US" sz="1800" i="1" dirty="0">
+                            <a:latin typeface="Cambria Math" panose="02040503050406030204" pitchFamily="18" charset="0"/>
+                          </a:rPr>
+                          <m:t>2</m:t>
+                        </m:r>
+                        <m:r>
+                          <a:rPr lang="en-US" sz="1800" i="1" dirty="0">
+                            <a:latin typeface="Cambria Math" panose="02040503050406030204" pitchFamily="18" charset="0"/>
+                          </a:rPr>
+                          <m:t>𝑠𝑒𝑙𝑙</m:t>
+                        </m:r>
+                        <m:r>
+                          <a:rPr lang="en-US" sz="1800" b="0" i="1" dirty="0" smtClean="0">
+                            <a:latin typeface="Cambria Math" panose="02040503050406030204" pitchFamily="18" charset="0"/>
+                          </a:rPr>
+                          <m:t>2</m:t>
+                        </m:r>
+                      </m:e>
+                    </m:acc>
+                  </m:oMath>
+                </a14:m>
+                <a:r>
+                  <a:rPr lang="en-US" sz="1800" b="0" i="0" cap="none" dirty="0">
+                    <a:effectLst/>
+                  </a:rPr>
+                  <a:t>(”not ok to buy chips for ” + price).Details2buy(invoice).0)</a:t>
+                </a:r>
+                <a:br>
+                  <a:rPr lang="en-US" sz="1800" cap="none" dirty="0"/>
+                </a:br>
+                <a:r>
+                  <a:rPr lang="en-US" sz="1800" b="0" i="0" cap="none" dirty="0">
+                    <a:effectLst/>
+                  </a:rPr>
+                  <a:t>else</a:t>
+                </a:r>
+                <a:br>
+                  <a:rPr lang="en-US" sz="1800" cap="none" dirty="0"/>
+                </a:br>
+                <a14:m>
+                  <m:oMath xmlns:m="http://schemas.openxmlformats.org/officeDocument/2006/math">
+                    <m:acc>
+                      <m:accPr>
+                        <m:chr m:val="̅"/>
+                        <m:ctrlPr>
+                          <a:rPr lang="en-US" sz="1800" i="1" dirty="0">
+                            <a:latin typeface="Cambria Math" panose="02040503050406030204" pitchFamily="18" charset="0"/>
+                          </a:rPr>
+                        </m:ctrlPr>
+                      </m:accPr>
+                      <m:e>
+                        <m:r>
+                          <a:rPr lang="en-US" sz="1800" i="1" dirty="0">
+                            <a:latin typeface="Cambria Math" panose="02040503050406030204" pitchFamily="18" charset="0"/>
+                          </a:rPr>
+                          <m:t>𝑎</m:t>
+                        </m:r>
+                        <m:r>
+                          <a:rPr lang="en-US" sz="1800" b="0" i="1" dirty="0" smtClean="0">
+                            <a:latin typeface="Cambria Math" panose="02040503050406030204" pitchFamily="18" charset="0"/>
+                          </a:rPr>
+                          <m:t>𝑐𝑐𝑒𝑝𝑡</m:t>
+                        </m:r>
+                        <m:r>
+                          <a:rPr lang="en-US" sz="1800" i="1" dirty="0">
+                            <a:latin typeface="Cambria Math" panose="02040503050406030204" pitchFamily="18" charset="0"/>
+                          </a:rPr>
+                          <m:t>2</m:t>
+                        </m:r>
+                        <m:r>
+                          <a:rPr lang="en-US" sz="1800" i="1" dirty="0">
+                            <a:latin typeface="Cambria Math" panose="02040503050406030204" pitchFamily="18" charset="0"/>
+                          </a:rPr>
+                          <m:t>𝑠𝑒𝑙𝑙</m:t>
+                        </m:r>
+                        <m:r>
+                          <a:rPr lang="en-US" sz="1800" b="0" i="1" dirty="0" smtClean="0">
+                            <a:latin typeface="Cambria Math" panose="02040503050406030204" pitchFamily="18" charset="0"/>
+                          </a:rPr>
+                          <m:t>2</m:t>
+                        </m:r>
+                      </m:e>
+                    </m:acc>
+                  </m:oMath>
+                </a14:m>
+                <a:r>
+                  <a:rPr lang="en-US" sz="1800" b="0" i="0" cap="none" dirty="0">
+                    <a:effectLst/>
+                  </a:rPr>
+                  <a:t>(”ok to buy chips for ” + price)</a:t>
+                </a:r>
+                <a:br>
+                  <a:rPr lang="en-US" sz="1800" cap="none" dirty="0"/>
+                </a:br>
+                <a14:m>
+                  <m:oMath xmlns:m="http://schemas.openxmlformats.org/officeDocument/2006/math">
+                    <m:acc>
+                      <m:accPr>
+                        <m:chr m:val="̅"/>
+                        <m:ctrlPr>
+                          <a:rPr lang="en-US" sz="1800" i="1" dirty="0">
+                            <a:latin typeface="Cambria Math" panose="02040503050406030204" pitchFamily="18" charset="0"/>
+                          </a:rPr>
+                        </m:ctrlPr>
+                      </m:accPr>
+                      <m:e>
+                        <m:r>
+                          <a:rPr lang="en-US" sz="1800" b="0" i="1" dirty="0" smtClean="0">
+                            <a:latin typeface="Cambria Math" panose="02040503050406030204" pitchFamily="18" charset="0"/>
+                          </a:rPr>
+                          <m:t>𝑟𝑒𝑗𝑒𝑐𝑡</m:t>
+                        </m:r>
+                        <m:r>
+                          <a:rPr lang="en-US" sz="1800" i="1" dirty="0">
+                            <a:latin typeface="Cambria Math" panose="02040503050406030204" pitchFamily="18" charset="0"/>
+                          </a:rPr>
+                          <m:t>2</m:t>
+                        </m:r>
+                        <m:r>
+                          <a:rPr lang="en-US" sz="1800" i="1" dirty="0">
+                            <a:latin typeface="Cambria Math" panose="02040503050406030204" pitchFamily="18" charset="0"/>
+                          </a:rPr>
+                          <m:t>𝑠𝑒𝑙𝑙</m:t>
+                        </m:r>
+                      </m:e>
+                    </m:acc>
+                  </m:oMath>
+                </a14:m>
+                <a:r>
+                  <a:rPr lang="en-US" sz="1800" b="0" i="0" cap="none" dirty="0">
+                    <a:effectLst/>
+                  </a:rPr>
+                  <a:t>(”not ok to buy chips for ” + price).Details2buy(invoice).0)</a:t>
+                </a:r>
+                <a:br>
+                  <a:rPr lang="en-US" sz="1800" cap="none" dirty="0"/>
+                </a:br>
+                <a:r>
+                  <a:rPr lang="en-US" sz="1800" b="0" i="0" cap="none" dirty="0">
+                    <a:effectLst/>
+                  </a:rPr>
+                  <a:t>else</a:t>
+                </a:r>
+                <a:br>
+                  <a:rPr lang="en-US" sz="1800" cap="none" dirty="0"/>
+                </a:br>
+                <a14:m>
+                  <m:oMath xmlns:m="http://schemas.openxmlformats.org/officeDocument/2006/math">
+                    <m:acc>
+                      <m:accPr>
+                        <m:chr m:val="̅"/>
+                        <m:ctrlPr>
+                          <a:rPr lang="en-US" sz="1800" i="1" dirty="0">
+                            <a:latin typeface="Cambria Math" panose="02040503050406030204" pitchFamily="18" charset="0"/>
+                          </a:rPr>
+                        </m:ctrlPr>
+                      </m:accPr>
+                      <m:e>
+                        <m:r>
+                          <a:rPr lang="en-US" sz="1800" b="0" i="1" dirty="0" smtClean="0">
+                            <a:latin typeface="Cambria Math" panose="02040503050406030204" pitchFamily="18" charset="0"/>
+                          </a:rPr>
+                          <m:t>𝑟𝑒𝑗𝑒𝑐𝑡</m:t>
+                        </m:r>
+                        <m:r>
+                          <a:rPr lang="en-US" sz="1800" i="1" dirty="0">
+                            <a:latin typeface="Cambria Math" panose="02040503050406030204" pitchFamily="18" charset="0"/>
+                          </a:rPr>
+                          <m:t>2</m:t>
+                        </m:r>
+                        <m:r>
+                          <a:rPr lang="en-US" sz="1800" i="1" dirty="0">
+                            <a:latin typeface="Cambria Math" panose="02040503050406030204" pitchFamily="18" charset="0"/>
+                          </a:rPr>
+                          <m:t>𝑠𝑒𝑙𝑙</m:t>
+                        </m:r>
+                      </m:e>
+                    </m:acc>
+                  </m:oMath>
+                </a14:m>
+                <a:r>
+                  <a:rPr lang="en-US" sz="1800" b="0" i="0" cap="none" dirty="0">
+                    <a:effectLst/>
+                  </a:rPr>
+                  <a:t>(”not ok to buy chips for ” + price).</a:t>
+                </a:r>
+                <a:br>
+                  <a:rPr lang="en-US" sz="1800" cap="none" dirty="0"/>
+                </a:br>
+                <a14:m>
+                  <m:oMath xmlns:m="http://schemas.openxmlformats.org/officeDocument/2006/math">
+                    <m:acc>
+                      <m:accPr>
+                        <m:chr m:val="̅"/>
+                        <m:ctrlPr>
+                          <a:rPr lang="en-US" sz="1800" i="1" dirty="0">
+                            <a:latin typeface="Cambria Math" panose="02040503050406030204" pitchFamily="18" charset="0"/>
+                          </a:rPr>
+                        </m:ctrlPr>
+                      </m:accPr>
+                      <m:e>
+                        <m:r>
+                          <a:rPr lang="en-US" sz="1800" i="1" dirty="0">
+                            <a:latin typeface="Cambria Math" panose="02040503050406030204" pitchFamily="18" charset="0"/>
+                          </a:rPr>
+                          <m:t>𝑟𝑒𝑗𝑒𝑐𝑡</m:t>
+                        </m:r>
+                        <m:r>
+                          <a:rPr lang="en-US" sz="1800" i="1" dirty="0">
+                            <a:latin typeface="Cambria Math" panose="02040503050406030204" pitchFamily="18" charset="0"/>
+                          </a:rPr>
+                          <m:t>2</m:t>
+                        </m:r>
+                        <m:r>
+                          <a:rPr lang="en-US" sz="1800" i="1" dirty="0">
+                            <a:latin typeface="Cambria Math" panose="02040503050406030204" pitchFamily="18" charset="0"/>
+                          </a:rPr>
+                          <m:t>𝑠𝑒𝑙𝑙</m:t>
+                        </m:r>
+                        <m:r>
+                          <a:rPr lang="en-US" sz="1800" b="0" i="1" dirty="0" smtClean="0">
+                            <a:latin typeface="Cambria Math" panose="02040503050406030204" pitchFamily="18" charset="0"/>
+                          </a:rPr>
+                          <m:t>2</m:t>
+                        </m:r>
+                      </m:e>
+                    </m:acc>
+                  </m:oMath>
+                </a14:m>
+                <a:r>
+                  <a:rPr lang="en-US" sz="1800" b="0" i="0" cap="none" dirty="0">
+                    <a:effectLst/>
+                  </a:rPr>
+                  <a:t>(”not ok to buy chips for ” + price).0)</a:t>
+                </a:r>
+                <a:endParaRPr lang="en-DK" sz="1800" cap="none" dirty="0"/>
+              </a:p>
+            </p:txBody>
+          </p:sp>
+        </mc:Choice>
+        <mc:Fallback>
+          <p:sp>
+            <p:nvSpPr>
+              <p:cNvPr id="3" name="Content Placeholder 2">
+                <a:extLst>
+                  <a:ext uri="{FF2B5EF4-FFF2-40B4-BE49-F238E27FC236}">
+                    <a16:creationId xmlns:a16="http://schemas.microsoft.com/office/drawing/2014/main" id="{F6AC0818-DE13-9817-9401-35D7AB53960C}"/>
+                  </a:ext>
+                </a:extLst>
+              </p:cNvPr>
+              <p:cNvSpPr>
+                <a:spLocks noGrp="1" noRot="1" noChangeAspect="1" noMove="1" noResize="1" noEditPoints="1" noAdjustHandles="1" noChangeArrowheads="1" noChangeShapeType="1" noTextEdit="1"/>
+              </p:cNvSpPr>
+              <p:nvPr>
+                <p:ph sz="quarter" idx="13"/>
+              </p:nvPr>
+            </p:nvSpPr>
+            <p:spPr>
+              <a:xfrm>
+                <a:off x="913774" y="1183545"/>
+                <a:ext cx="6703934" cy="5292881"/>
+              </a:xfrm>
+              <a:blipFill>
+                <a:blip r:embed="rId2"/>
+                <a:stretch>
+                  <a:fillRect l="-636"/>
+                </a:stretch>
+              </a:blipFill>
+            </p:spPr>
+            <p:txBody>
+              <a:bodyPr/>
+              <a:lstStyle/>
+              <a:p>
+                <a:r>
+                  <a:rPr lang="en-DK">
+                    <a:noFill/>
+                  </a:rPr>
+                  <a:t> </a:t>
+                </a:r>
+              </a:p>
+            </p:txBody>
+          </p:sp>
+        </mc:Fallback>
+      </mc:AlternateContent>
+      <p:sp>
+        <p:nvSpPr>
+          <p:cNvPr id="4" name="TextBox 3">
+            <a:extLst>
+              <a:ext uri="{FF2B5EF4-FFF2-40B4-BE49-F238E27FC236}">
+                <a16:creationId xmlns:a16="http://schemas.microsoft.com/office/drawing/2014/main" id="{66E3696C-AED1-D420-47E3-DBC94E8E5F7C}"/>
+              </a:ext>
+            </a:extLst>
+          </p:cNvPr>
+          <p:cNvSpPr txBox="1"/>
+          <p:nvPr/>
+        </p:nvSpPr>
+        <p:spPr>
+          <a:xfrm>
+            <a:off x="8023344" y="1368162"/>
+            <a:ext cx="3485721" cy="2862322"/>
+          </a:xfrm>
+          <a:prstGeom prst="rect">
+            <a:avLst/>
+          </a:prstGeom>
+          <a:noFill/>
+        </p:spPr>
+        <p:txBody>
+          <a:bodyPr wrap="square" rtlCol="0">
+            <a:spAutoFit/>
+          </a:bodyPr>
+          <a:lstStyle/>
+          <a:p>
+            <a:pPr marL="285750" indent="-285750">
+              <a:buFont typeface="Arial" panose="020B0604020202020204" pitchFamily="34" charset="0"/>
+              <a:buChar char="•"/>
+            </a:pPr>
+            <a:r>
+              <a:rPr lang="en-US" dirty="0"/>
+              <a:t>Buyer initiates processes simultaneously and checks prices concurrently.</a:t>
+            </a:r>
+          </a:p>
+          <a:p>
+            <a:pPr marL="285750" indent="-285750">
+              <a:buFont typeface="Arial" panose="020B0604020202020204" pitchFamily="34" charset="0"/>
+              <a:buChar char="•"/>
+            </a:pPr>
+            <a:r>
+              <a:rPr lang="en-US" dirty="0"/>
+              <a:t>Potentially more efficient solution</a:t>
+            </a:r>
+          </a:p>
+          <a:p>
+            <a:pPr marL="285750" indent="-285750">
+              <a:buFont typeface="Arial" panose="020B0604020202020204" pitchFamily="34" charset="0"/>
+              <a:buChar char="•"/>
+            </a:pPr>
+            <a:r>
+              <a:rPr lang="en-US" dirty="0"/>
+              <a:t>We don’t have to wait for price to be checked before we can check price2</a:t>
+            </a:r>
+          </a:p>
+          <a:p>
+            <a:pPr marL="285750" indent="-285750">
+              <a:buFont typeface="Arial" panose="020B0604020202020204" pitchFamily="34" charset="0"/>
+              <a:buChar char="•"/>
+            </a:pPr>
+            <a:r>
+              <a:rPr lang="en-US" dirty="0"/>
+              <a:t>Adds complexity</a:t>
+            </a:r>
+          </a:p>
+          <a:p>
+            <a:pPr marL="285750" indent="-285750">
+              <a:buFont typeface="Arial" panose="020B0604020202020204" pitchFamily="34" charset="0"/>
+              <a:buChar char="•"/>
+            </a:pPr>
+            <a:r>
+              <a:rPr lang="en-US" dirty="0"/>
+              <a:t>Sequential may be easier to debug</a:t>
+            </a:r>
+            <a:endParaRPr lang="en-DK" dirty="0"/>
+          </a:p>
+        </p:txBody>
+      </p:sp>
+    </p:spTree>
+    <p:extLst>
+      <p:ext uri="{BB962C8B-B14F-4D97-AF65-F5344CB8AC3E}">
+        <p14:creationId xmlns:p14="http://schemas.microsoft.com/office/powerpoint/2010/main" val="3113792664"/>
+      </p:ext>
+    </p:extLst>
+  </p:cSld>
+  <p:clrMapOvr>
+    <a:masterClrMapping/>
+  </p:clrMapOvr>
+</p:sld>
+</file>
+
+<file path=ppt/slides/slide7.xml><?xml version="1.0" encoding="utf-8"?>
+<p:sld xmlns:a="http://schemas.openxmlformats.org/drawingml/2006/main" xmlns:r="http://schemas.openxmlformats.org/officeDocument/2006/relationships" xmlns:p="http://schemas.openxmlformats.org/presentationml/2006/main">
+  <p:cSld>
+    <p:spTree>
+      <p:nvGrpSpPr>
+        <p:cNvPr id="1" name=""/>
+        <p:cNvGrpSpPr/>
+        <p:nvPr/>
+      </p:nvGrpSpPr>
+      <p:grpSpPr>
+        <a:xfrm>
+          <a:off x="0" y="0"/>
+          <a:ext cx="0" cy="0"/>
+          <a:chOff x="0" y="0"/>
+          <a:chExt cx="0" cy="0"/>
+        </a:xfrm>
+      </p:grpSpPr>
+      <p:sp>
+        <p:nvSpPr>
+          <p:cNvPr id="2" name="Title 1">
+            <a:extLst>
+              <a:ext uri="{FF2B5EF4-FFF2-40B4-BE49-F238E27FC236}">
+                <a16:creationId xmlns:a16="http://schemas.microsoft.com/office/drawing/2014/main" id="{F331A057-4521-DACE-8F15-D19B9BD47C1D}"/>
+              </a:ext>
+            </a:extLst>
+          </p:cNvPr>
+          <p:cNvSpPr>
+            <a:spLocks noGrp="1"/>
+          </p:cNvSpPr>
+          <p:nvPr>
+            <p:ph type="title"/>
+          </p:nvPr>
+        </p:nvSpPr>
+        <p:spPr/>
+        <p:txBody>
+          <a:bodyPr/>
+          <a:lstStyle/>
+          <a:p>
+            <a:endParaRPr lang="en-DK"/>
+          </a:p>
+        </p:txBody>
+      </p:sp>
+      <p:sp>
+        <p:nvSpPr>
+          <p:cNvPr id="3" name="Content Placeholder 2">
+            <a:extLst>
+              <a:ext uri="{FF2B5EF4-FFF2-40B4-BE49-F238E27FC236}">
+                <a16:creationId xmlns:a16="http://schemas.microsoft.com/office/drawing/2014/main" id="{C5C961E4-0224-47F0-F78A-B51BA4E6417C}"/>
+              </a:ext>
+            </a:extLst>
+          </p:cNvPr>
+          <p:cNvSpPr>
+            <a:spLocks noGrp="1"/>
+          </p:cNvSpPr>
+          <p:nvPr>
+            <p:ph sz="quarter" idx="13"/>
+          </p:nvPr>
+        </p:nvSpPr>
+        <p:spPr/>
+        <p:txBody>
+          <a:bodyPr/>
+          <a:lstStyle/>
+          <a:p>
+            <a:endParaRPr lang="en-DK"/>
+          </a:p>
+        </p:txBody>
+      </p:sp>
+    </p:spTree>
+    <p:extLst>
+      <p:ext uri="{BB962C8B-B14F-4D97-AF65-F5344CB8AC3E}">
+        <p14:creationId xmlns:p14="http://schemas.microsoft.com/office/powerpoint/2010/main" val="1191015389"/>
       </p:ext>
     </p:extLst>
   </p:cSld>
